--- a/InfoSec/PPTs/L16-CH25-Web Security.pptx
+++ b/InfoSec/PPTs/L16-CH25-Web Security.pptx
@@ -5,10 +5,10 @@
     <p:sldMasterId id="2147483878" r:id="rId1"/>
   </p:sldMasterIdLst>
   <p:notesMasterIdLst>
-    <p:notesMasterId r:id="rId28"/>
+    <p:notesMasterId r:id="rId26"/>
   </p:notesMasterIdLst>
   <p:handoutMasterIdLst>
-    <p:handoutMasterId r:id="rId29"/>
+    <p:handoutMasterId r:id="rId27"/>
   </p:handoutMasterIdLst>
   <p:sldIdLst>
     <p:sldId id="383" r:id="rId2"/>
@@ -32,11 +32,9 @@
     <p:sldId id="273" r:id="rId20"/>
     <p:sldId id="274" r:id="rId21"/>
     <p:sldId id="275" r:id="rId22"/>
-    <p:sldId id="276" r:id="rId23"/>
-    <p:sldId id="277" r:id="rId24"/>
-    <p:sldId id="278" r:id="rId25"/>
-    <p:sldId id="396" r:id="rId26"/>
-    <p:sldId id="395" r:id="rId27"/>
+    <p:sldId id="277" r:id="rId23"/>
+    <p:sldId id="396" r:id="rId24"/>
+    <p:sldId id="395" r:id="rId25"/>
   </p:sldIdLst>
   <p:sldSz cx="9144000" cy="6858000" type="screen4x3"/>
   <p:notesSz cx="6858000" cy="9144000"/>
@@ -191,9 +189,7 @@
             <p14:sldId id="273"/>
             <p14:sldId id="274"/>
             <p14:sldId id="275"/>
-            <p14:sldId id="276"/>
             <p14:sldId id="277"/>
-            <p14:sldId id="278"/>
             <p14:sldId id="396"/>
             <p14:sldId id="395"/>
           </p14:sldIdLst>
@@ -315,7 +311,7 @@
             <a:fld id="{999DDEF9-8F79-3F4A-8C1A-CB2E900DCD92}" type="datetimeFigureOut">
               <a:rPr lang="en-US" smtClean="0"/>
               <a:pPr/>
-              <a:t>4/18/2020</a:t>
+              <a:t>6/11/2020</a:t>
             </a:fld>
             <a:endParaRPr lang="en-US"/>
           </a:p>
@@ -1179,24 +1175,75 @@
           <a:bodyPr/>
           <a:lstStyle/>
           <a:p>
-            <a:pPr lvl="0" rtl="0">
+            <a:pPr marL="0" marR="0" lvl="0" indent="0" algn="l" defTabSz="914400" rtl="0" eaLnBrk="1" fontAlgn="base" latinLnBrk="0" hangingPunct="1">
+              <a:lnSpc>
+                <a:spcPct val="100000"/>
+              </a:lnSpc>
               <a:spcBef>
                 <a:spcPts val="0"/>
               </a:spcBef>
+              <a:spcAft>
+                <a:spcPct val="0"/>
+              </a:spcAft>
               <a:buClr>
                 <a:schemeClr val="dk1"/>
               </a:buClr>
               <a:buSzPct val="25000"/>
               <a:buFont typeface="Arial"/>
               <a:buNone/>
-            </a:pPr>
+              <a:tabLst/>
+              <a:defRPr/>
+            </a:pPr>
+            <a:r>
+              <a:rPr lang="en-US" dirty="0" smtClean="0"/>
+              <a:t>Suppose a website echoes user-supplied data, e.g., his name, back to user on the html page.</a:t>
+            </a:r>
+          </a:p>
+          <a:p>
+            <a:pPr lvl="0" rtl="0">
+              <a:spcBef>
+                <a:spcPts val="0"/>
+              </a:spcBef>
+              <a:buClr>
+                <a:schemeClr val="dk1"/>
+              </a:buClr>
+              <a:buSzPct val="25000"/>
+              <a:buFont typeface="Arial"/>
+              <a:buNone/>
+            </a:pPr>
+            <a:endParaRPr lang="en-SE" sz="1200" dirty="0" smtClean="0">
+              <a:solidFill>
+                <a:schemeClr val="dk1"/>
+              </a:solidFill>
+            </a:endParaRPr>
+          </a:p>
+          <a:p>
+            <a:pPr lvl="0" rtl="0">
+              <a:spcBef>
+                <a:spcPts val="0"/>
+              </a:spcBef>
+              <a:buClr>
+                <a:schemeClr val="dk1"/>
+              </a:buClr>
+              <a:buSzPct val="25000"/>
+              <a:buFont typeface="Arial"/>
+              <a:buNone/>
+            </a:pPr>
+            <a:r>
+              <a:rPr lang="en-US" sz="1200" dirty="0" smtClean="0">
+                <a:solidFill>
+                  <a:schemeClr val="dk1"/>
+                </a:solidFill>
+              </a:rPr>
+              <a:t>For </a:t>
+            </a:r>
             <a:r>
               <a:rPr lang="en-US" sz="1200" dirty="0">
                 <a:solidFill>
                   <a:schemeClr val="dk1"/>
                 </a:solidFill>
               </a:rPr>
-              <a:t>For example, when the user’s browser sends the user’s name to a web site, the web site </a:t>
+              <a:t>example, when the user’s browser sends the user’s name to a web site, the web site </a:t>
             </a:r>
             <a:r>
               <a:rPr lang="en-US" sz="1200" dirty="0" err="1">
@@ -1545,6 +1592,229 @@
           <a:bodyPr/>
           <a:lstStyle/>
           <a:p>
+            <a:r>
+              <a:rPr lang="en-SE" dirty="0" smtClean="0"/>
+              <a:t>T</a:t>
+            </a:r>
+            <a:r>
+              <a:rPr lang="en-US" dirty="0" smtClean="0"/>
+              <a:t>h</a:t>
+            </a:r>
+            <a:r>
+              <a:rPr lang="en-SE" dirty="0" smtClean="0"/>
+              <a:t>e script is</a:t>
+            </a:r>
+            <a:r>
+              <a:rPr lang="en-SE" baseline="0" dirty="0" smtClean="0"/>
+              <a:t> echoed back from naive.com, so the browser executes it. If the script is directly from evil.com, the browser may prevent its exedcution</a:t>
+            </a:r>
+          </a:p>
+          <a:p>
+            <a:pPr lvl="0" rtl="0">
+              <a:spcBef>
+                <a:spcPts val="0"/>
+              </a:spcBef>
+              <a:buClr>
+                <a:schemeClr val="dk1"/>
+              </a:buClr>
+              <a:buSzPct val="25000"/>
+              <a:buFont typeface="Arial"/>
+              <a:buNone/>
+            </a:pPr>
+            <a:r>
+              <a:rPr lang="en-US" sz="1200" dirty="0" smtClean="0">
+                <a:solidFill>
+                  <a:schemeClr val="dk1"/>
+                </a:solidFill>
+              </a:rPr>
+              <a:t>https://owasp.org/www-community/attacks/xss/</a:t>
+            </a:r>
+            <a:endParaRPr lang="en-SE" sz="1200" dirty="0" smtClean="0">
+              <a:solidFill>
+                <a:schemeClr val="dk1"/>
+              </a:solidFill>
+            </a:endParaRPr>
+          </a:p>
+          <a:p>
+            <a:r>
+              <a:rPr lang="en-GB" sz="1200" b="1" i="0" kern="1200" dirty="0" smtClean="0">
+                <a:solidFill>
+                  <a:schemeClr val="tx1"/>
+                </a:solidFill>
+                <a:effectLst/>
+                <a:latin typeface="Arial" pitchFamily="-107" charset="0"/>
+                <a:ea typeface="+mn-ea"/>
+                <a:cs typeface="+mn-cs"/>
+              </a:rPr>
+              <a:t>Reflected XSS Attacks</a:t>
+            </a:r>
+          </a:p>
+          <a:p>
+            <a:r>
+              <a:rPr lang="en-GB" sz="1200" b="0" i="0" kern="1200" dirty="0" smtClean="0">
+                <a:solidFill>
+                  <a:schemeClr val="tx1"/>
+                </a:solidFill>
+                <a:effectLst/>
+                <a:latin typeface="Arial" pitchFamily="-107" charset="0"/>
+                <a:ea typeface="+mn-ea"/>
+                <a:cs typeface="+mn-cs"/>
+              </a:rPr>
+              <a:t>Reflected attacks are those where the injected script is reflected off the web server, such as in an error message, search result, or any other response that includes some or all of the input sent to the server as part of the request. Reflected attacks are delivered to victims via another route, such as in an e-mail message, or on some other website. When a user is tricked into clicking on a malicious link, submitting a specially crafted form, or even just browsing to a malicious site, the injected code travels to the vulnerable web site, which reflects the attack back to the user’s browser. The browser then executes the code because it came from a “trusted” server. Reflected XSS is also sometimes referred to as Non-Persistent or Type-II XSS.</a:t>
+            </a:r>
+            <a:endParaRPr lang="en-SE" sz="1200" b="0" i="0" kern="1200" dirty="0" smtClean="0">
+              <a:solidFill>
+                <a:schemeClr val="tx1"/>
+              </a:solidFill>
+              <a:effectLst/>
+              <a:latin typeface="Arial" pitchFamily="-107" charset="0"/>
+              <a:ea typeface="+mn-ea"/>
+              <a:cs typeface="+mn-cs"/>
+            </a:endParaRPr>
+          </a:p>
+          <a:p>
+            <a:r>
+              <a:rPr lang="en-GB" sz="1200" b="1" i="0" kern="1200" dirty="0" smtClean="0">
+                <a:solidFill>
+                  <a:schemeClr val="tx1"/>
+                </a:solidFill>
+                <a:effectLst/>
+                <a:latin typeface="Arial" pitchFamily="-107" charset="0"/>
+                <a:ea typeface="+mn-ea"/>
+                <a:cs typeface="+mn-cs"/>
+              </a:rPr>
+              <a:t>Stored XSS Attacks</a:t>
+            </a:r>
+          </a:p>
+          <a:p>
+            <a:r>
+              <a:rPr lang="en-GB" sz="1200" b="0" i="0" kern="1200" dirty="0" smtClean="0">
+                <a:solidFill>
+                  <a:schemeClr val="tx1"/>
+                </a:solidFill>
+                <a:effectLst/>
+                <a:latin typeface="Arial" pitchFamily="-107" charset="0"/>
+                <a:ea typeface="+mn-ea"/>
+                <a:cs typeface="+mn-cs"/>
+              </a:rPr>
+              <a:t>Stored attacks are those where the injected script is permanently stored on the target servers, such as in a database, in a message forum, visitor log, comment field, etc. The victim then retrieves the malicious script from the server when it requests the stored information. Stored XSS is also sometimes referred to as Persistent or Type-I XSS.</a:t>
+            </a:r>
+          </a:p>
+          <a:p>
+            <a:endParaRPr lang="en-GB" sz="1200" b="0" i="0" kern="1200" dirty="0" smtClean="0">
+              <a:solidFill>
+                <a:schemeClr val="tx1"/>
+              </a:solidFill>
+              <a:effectLst/>
+              <a:latin typeface="Arial" pitchFamily="-107" charset="0"/>
+              <a:ea typeface="+mn-ea"/>
+              <a:cs typeface="+mn-cs"/>
+            </a:endParaRPr>
+          </a:p>
+          <a:p>
+            <a:pPr lvl="0" rtl="0">
+              <a:spcBef>
+                <a:spcPts val="0"/>
+              </a:spcBef>
+              <a:buClr>
+                <a:schemeClr val="dk1"/>
+              </a:buClr>
+              <a:buSzPct val="25000"/>
+              <a:buFont typeface="Arial"/>
+              <a:buNone/>
+            </a:pPr>
+            <a:endParaRPr lang="en-US" sz="1200" dirty="0" smtClean="0">
+              <a:solidFill>
+                <a:schemeClr val="dk1"/>
+              </a:solidFill>
+            </a:endParaRPr>
+          </a:p>
+          <a:p>
+            <a:endParaRPr lang="en-US" dirty="0"/>
+          </a:p>
+        </p:txBody>
+      </p:sp>
+      <p:sp>
+        <p:nvSpPr>
+          <p:cNvPr id="4" name="Slide Number Placeholder 3"/>
+          <p:cNvSpPr>
+            <a:spLocks noGrp="1"/>
+          </p:cNvSpPr>
+          <p:nvPr>
+            <p:ph type="sldNum" sz="quarter" idx="10"/>
+          </p:nvPr>
+        </p:nvSpPr>
+        <p:spPr/>
+        <p:txBody>
+          <a:bodyPr/>
+          <a:lstStyle/>
+          <a:p>
+            <a:fld id="{F8560DBF-F109-8946-ADF0-EE66B221E988}" type="slidenum">
+              <a:rPr lang="en-AU" smtClean="0"/>
+              <a:pPr/>
+              <a:t>12</a:t>
+            </a:fld>
+            <a:endParaRPr lang="en-AU" dirty="0"/>
+          </a:p>
+        </p:txBody>
+      </p:sp>
+    </p:spTree>
+    <p:extLst>
+      <p:ext uri="{BB962C8B-B14F-4D97-AF65-F5344CB8AC3E}">
+        <p14:creationId xmlns:p14="http://schemas.microsoft.com/office/powerpoint/2010/main" val="596269884"/>
+      </p:ext>
+    </p:extLst>
+  </p:cSld>
+  <p:clrMapOvr>
+    <a:masterClrMapping/>
+  </p:clrMapOvr>
+</p:notes>
+</file>
+
+<file path=ppt/notesSlides/notesSlide13.xml><?xml version="1.0" encoding="utf-8"?>
+<p:notes xmlns:a="http://schemas.openxmlformats.org/drawingml/2006/main" xmlns:r="http://schemas.openxmlformats.org/officeDocument/2006/relationships" xmlns:p="http://schemas.openxmlformats.org/presentationml/2006/main">
+  <p:cSld>
+    <p:spTree>
+      <p:nvGrpSpPr>
+        <p:cNvPr id="1" name=""/>
+        <p:cNvGrpSpPr/>
+        <p:nvPr/>
+      </p:nvGrpSpPr>
+      <p:grpSpPr>
+        <a:xfrm>
+          <a:off x="0" y="0"/>
+          <a:ext cx="0" cy="0"/>
+          <a:chOff x="0" y="0"/>
+          <a:chExt cx="0" cy="0"/>
+        </a:xfrm>
+      </p:grpSpPr>
+      <p:sp>
+        <p:nvSpPr>
+          <p:cNvPr id="2" name="Slide Image Placeholder 1"/>
+          <p:cNvSpPr>
+            <a:spLocks noGrp="1" noRot="1" noChangeAspect="1"/>
+          </p:cNvSpPr>
+          <p:nvPr>
+            <p:ph type="sldImg"/>
+          </p:nvPr>
+        </p:nvSpPr>
+        <p:spPr/>
+      </p:sp>
+      <p:sp>
+        <p:nvSpPr>
+          <p:cNvPr id="3" name="Notes Placeholder 2"/>
+          <p:cNvSpPr>
+            <a:spLocks noGrp="1"/>
+          </p:cNvSpPr>
+          <p:nvPr>
+            <p:ph type="body" idx="1"/>
+          </p:nvPr>
+        </p:nvSpPr>
+        <p:spPr/>
+        <p:txBody>
+          <a:bodyPr/>
+          <a:lstStyle/>
+          <a:p>
             <a:pPr lvl="0" rtl="0">
               <a:spcBef>
                 <a:spcPts val="0"/>
@@ -1673,7 +1943,7 @@
 </p:notes>
 </file>
 
-<file path=ppt/notesSlides/notesSlide13.xml><?xml version="1.0" encoding="utf-8"?>
+<file path=ppt/notesSlides/notesSlide14.xml><?xml version="1.0" encoding="utf-8"?>
 <p:notes xmlns:a="http://schemas.openxmlformats.org/drawingml/2006/main" xmlns:r="http://schemas.openxmlformats.org/officeDocument/2006/relationships" xmlns:p="http://schemas.openxmlformats.org/presentationml/2006/main" showMasterSp="0" showMasterPhAnim="0">
   <p:cSld>
     <p:spTree>
@@ -1904,7 +2174,7 @@
 </p:notes>
 </file>
 
-<file path=ppt/notesSlides/notesSlide14.xml><?xml version="1.0" encoding="utf-8"?>
+<file path=ppt/notesSlides/notesSlide15.xml><?xml version="1.0" encoding="utf-8"?>
 <p:notes xmlns:a="http://schemas.openxmlformats.org/drawingml/2006/main" xmlns:r="http://schemas.openxmlformats.org/officeDocument/2006/relationships" xmlns:p="http://schemas.openxmlformats.org/presentationml/2006/main" showMasterSp="0" showMasterPhAnim="0">
   <p:cSld>
     <p:spTree>
@@ -2071,155 +2341,6 @@
 </p:notes>
 </file>
 
-<file path=ppt/notesSlides/notesSlide15.xml><?xml version="1.0" encoding="utf-8"?>
-<p:notes xmlns:a="http://schemas.openxmlformats.org/drawingml/2006/main" xmlns:r="http://schemas.openxmlformats.org/officeDocument/2006/relationships" xmlns:p="http://schemas.openxmlformats.org/presentationml/2006/main">
-  <p:cSld>
-    <p:spTree>
-      <p:nvGrpSpPr>
-        <p:cNvPr id="1" name=""/>
-        <p:cNvGrpSpPr/>
-        <p:nvPr/>
-      </p:nvGrpSpPr>
-      <p:grpSpPr>
-        <a:xfrm>
-          <a:off x="0" y="0"/>
-          <a:ext cx="0" cy="0"/>
-          <a:chOff x="0" y="0"/>
-          <a:chExt cx="0" cy="0"/>
-        </a:xfrm>
-      </p:grpSpPr>
-      <p:sp>
-        <p:nvSpPr>
-          <p:cNvPr id="2" name="Slide Image Placeholder 1"/>
-          <p:cNvSpPr>
-            <a:spLocks noGrp="1" noRot="1" noChangeAspect="1"/>
-          </p:cNvSpPr>
-          <p:nvPr>
-            <p:ph type="sldImg"/>
-          </p:nvPr>
-        </p:nvSpPr>
-        <p:spPr/>
-      </p:sp>
-      <p:sp>
-        <p:nvSpPr>
-          <p:cNvPr id="3" name="Notes Placeholder 2"/>
-          <p:cNvSpPr>
-            <a:spLocks noGrp="1"/>
-          </p:cNvSpPr>
-          <p:nvPr>
-            <p:ph type="body" idx="1"/>
-          </p:nvPr>
-        </p:nvSpPr>
-        <p:spPr/>
-        <p:txBody>
-          <a:bodyPr/>
-          <a:lstStyle/>
-          <a:p>
-            <a:pPr lvl="0" rtl="0">
-              <a:spcBef>
-                <a:spcPts val="0"/>
-              </a:spcBef>
-              <a:buClr>
-                <a:schemeClr val="dk1"/>
-              </a:buClr>
-              <a:buSzPct val="25000"/>
-              <a:buFont typeface="Tahoma"/>
-              <a:buNone/>
-            </a:pPr>
-            <a:r>
-              <a:rPr lang="en-US" sz="1200" dirty="0">
-                <a:solidFill>
-                  <a:schemeClr val="dk1"/>
-                </a:solidFill>
-              </a:rPr>
-              <a:t>Here is an illustration of the example …</a:t>
-            </a:r>
-          </a:p>
-          <a:p>
-            <a:pPr lvl="0" rtl="0">
-              <a:spcBef>
-                <a:spcPts val="0"/>
-              </a:spcBef>
-              <a:buClr>
-                <a:schemeClr val="dk1"/>
-              </a:buClr>
-              <a:buFont typeface="Tahoma"/>
-              <a:buNone/>
-            </a:pPr>
-            <a:endParaRPr lang="en-US" sz="1200" dirty="0">
-              <a:solidFill>
-                <a:schemeClr val="dk1"/>
-              </a:solidFill>
-            </a:endParaRPr>
-          </a:p>
-          <a:p>
-            <a:pPr lvl="0" rtl="0">
-              <a:spcBef>
-                <a:spcPts val="0"/>
-              </a:spcBef>
-              <a:buClr>
-                <a:schemeClr val="dk1"/>
-              </a:buClr>
-              <a:buFont typeface="Arial"/>
-              <a:buNone/>
-            </a:pPr>
-            <a:endParaRPr lang="en-US" sz="1200" dirty="0">
-              <a:solidFill>
-                <a:schemeClr val="dk1"/>
-              </a:solidFill>
-            </a:endParaRPr>
-          </a:p>
-          <a:p>
-            <a:pPr>
-              <a:spcBef>
-                <a:spcPts val="0"/>
-              </a:spcBef>
-              <a:buNone/>
-            </a:pPr>
-            <a:endParaRPr lang="en-US" dirty="0"/>
-          </a:p>
-          <a:p>
-            <a:endParaRPr lang="en-SE" dirty="0"/>
-          </a:p>
-        </p:txBody>
-      </p:sp>
-      <p:sp>
-        <p:nvSpPr>
-          <p:cNvPr id="4" name="Slide Number Placeholder 3"/>
-          <p:cNvSpPr>
-            <a:spLocks noGrp="1"/>
-          </p:cNvSpPr>
-          <p:nvPr>
-            <p:ph type="sldNum" sz="quarter" idx="5"/>
-          </p:nvPr>
-        </p:nvSpPr>
-        <p:spPr/>
-        <p:txBody>
-          <a:bodyPr/>
-          <a:lstStyle/>
-          <a:p>
-            <a:fld id="{F8560DBF-F109-8946-ADF0-EE66B221E988}" type="slidenum">
-              <a:rPr lang="en-AU" smtClean="0"/>
-              <a:pPr/>
-              <a:t>16</a:t>
-            </a:fld>
-            <a:endParaRPr lang="en-AU" dirty="0"/>
-          </a:p>
-        </p:txBody>
-      </p:sp>
-    </p:spTree>
-    <p:extLst>
-      <p:ext uri="{BB962C8B-B14F-4D97-AF65-F5344CB8AC3E}">
-        <p14:creationId xmlns:p14="http://schemas.microsoft.com/office/powerpoint/2010/main" val="618919167"/>
-      </p:ext>
-    </p:extLst>
-  </p:cSld>
-  <p:clrMapOvr>
-    <a:masterClrMapping/>
-  </p:clrMapOvr>
-</p:notes>
-</file>
-
 <file path=ppt/notesSlides/notesSlide16.xml><?xml version="1.0" encoding="utf-8"?>
 <p:notes xmlns:a="http://schemas.openxmlformats.org/drawingml/2006/main" xmlns:r="http://schemas.openxmlformats.org/officeDocument/2006/relationships" xmlns:p="http://schemas.openxmlformats.org/presentationml/2006/main">
   <p:cSld>
@@ -2264,6 +2385,155 @@
           <a:bodyPr/>
           <a:lstStyle/>
           <a:p>
+            <a:pPr lvl="0" rtl="0">
+              <a:spcBef>
+                <a:spcPts val="0"/>
+              </a:spcBef>
+              <a:buClr>
+                <a:schemeClr val="dk1"/>
+              </a:buClr>
+              <a:buSzPct val="25000"/>
+              <a:buFont typeface="Tahoma"/>
+              <a:buNone/>
+            </a:pPr>
+            <a:r>
+              <a:rPr lang="en-US" sz="1200" dirty="0">
+                <a:solidFill>
+                  <a:schemeClr val="dk1"/>
+                </a:solidFill>
+              </a:rPr>
+              <a:t>Here is an illustration of the example …</a:t>
+            </a:r>
+          </a:p>
+          <a:p>
+            <a:pPr lvl="0" rtl="0">
+              <a:spcBef>
+                <a:spcPts val="0"/>
+              </a:spcBef>
+              <a:buClr>
+                <a:schemeClr val="dk1"/>
+              </a:buClr>
+              <a:buFont typeface="Tahoma"/>
+              <a:buNone/>
+            </a:pPr>
+            <a:endParaRPr lang="en-US" sz="1200" dirty="0">
+              <a:solidFill>
+                <a:schemeClr val="dk1"/>
+              </a:solidFill>
+            </a:endParaRPr>
+          </a:p>
+          <a:p>
+            <a:pPr lvl="0" rtl="0">
+              <a:spcBef>
+                <a:spcPts val="0"/>
+              </a:spcBef>
+              <a:buClr>
+                <a:schemeClr val="dk1"/>
+              </a:buClr>
+              <a:buFont typeface="Arial"/>
+              <a:buNone/>
+            </a:pPr>
+            <a:endParaRPr lang="en-US" sz="1200" dirty="0">
+              <a:solidFill>
+                <a:schemeClr val="dk1"/>
+              </a:solidFill>
+            </a:endParaRPr>
+          </a:p>
+          <a:p>
+            <a:pPr>
+              <a:spcBef>
+                <a:spcPts val="0"/>
+              </a:spcBef>
+              <a:buNone/>
+            </a:pPr>
+            <a:endParaRPr lang="en-US" dirty="0"/>
+          </a:p>
+          <a:p>
+            <a:endParaRPr lang="en-SE" dirty="0"/>
+          </a:p>
+        </p:txBody>
+      </p:sp>
+      <p:sp>
+        <p:nvSpPr>
+          <p:cNvPr id="4" name="Slide Number Placeholder 3"/>
+          <p:cNvSpPr>
+            <a:spLocks noGrp="1"/>
+          </p:cNvSpPr>
+          <p:nvPr>
+            <p:ph type="sldNum" sz="quarter" idx="5"/>
+          </p:nvPr>
+        </p:nvSpPr>
+        <p:spPr/>
+        <p:txBody>
+          <a:bodyPr/>
+          <a:lstStyle/>
+          <a:p>
+            <a:fld id="{F8560DBF-F109-8946-ADF0-EE66B221E988}" type="slidenum">
+              <a:rPr lang="en-AU" smtClean="0"/>
+              <a:pPr/>
+              <a:t>16</a:t>
+            </a:fld>
+            <a:endParaRPr lang="en-AU" dirty="0"/>
+          </a:p>
+        </p:txBody>
+      </p:sp>
+    </p:spTree>
+    <p:extLst>
+      <p:ext uri="{BB962C8B-B14F-4D97-AF65-F5344CB8AC3E}">
+        <p14:creationId xmlns:p14="http://schemas.microsoft.com/office/powerpoint/2010/main" val="618919167"/>
+      </p:ext>
+    </p:extLst>
+  </p:cSld>
+  <p:clrMapOvr>
+    <a:masterClrMapping/>
+  </p:clrMapOvr>
+</p:notes>
+</file>
+
+<file path=ppt/notesSlides/notesSlide17.xml><?xml version="1.0" encoding="utf-8"?>
+<p:notes xmlns:a="http://schemas.openxmlformats.org/drawingml/2006/main" xmlns:r="http://schemas.openxmlformats.org/officeDocument/2006/relationships" xmlns:p="http://schemas.openxmlformats.org/presentationml/2006/main">
+  <p:cSld>
+    <p:spTree>
+      <p:nvGrpSpPr>
+        <p:cNvPr id="1" name=""/>
+        <p:cNvGrpSpPr/>
+        <p:nvPr/>
+      </p:nvGrpSpPr>
+      <p:grpSpPr>
+        <a:xfrm>
+          <a:off x="0" y="0"/>
+          <a:ext cx="0" cy="0"/>
+          <a:chOff x="0" y="0"/>
+          <a:chExt cx="0" cy="0"/>
+        </a:xfrm>
+      </p:grpSpPr>
+      <p:sp>
+        <p:nvSpPr>
+          <p:cNvPr id="2" name="Slide Image Placeholder 1"/>
+          <p:cNvSpPr>
+            <a:spLocks noGrp="1" noRot="1" noChangeAspect="1"/>
+          </p:cNvSpPr>
+          <p:nvPr>
+            <p:ph type="sldImg"/>
+          </p:nvPr>
+        </p:nvSpPr>
+        <p:spPr/>
+      </p:sp>
+      <p:sp>
+        <p:nvSpPr>
+          <p:cNvPr id="3" name="Notes Placeholder 2"/>
+          <p:cNvSpPr>
+            <a:spLocks noGrp="1"/>
+          </p:cNvSpPr>
+          <p:nvPr>
+            <p:ph type="body" idx="1"/>
+          </p:nvPr>
+        </p:nvSpPr>
+        <p:spPr/>
+        <p:txBody>
+          <a:bodyPr/>
+          <a:lstStyle/>
+          <a:p>
             <a:endParaRPr lang="en-SE" dirty="0"/>
           </a:p>
         </p:txBody>
@@ -2305,7 +2575,7 @@
 </p:notes>
 </file>
 
-<file path=ppt/notesSlides/notesSlide17.xml><?xml version="1.0" encoding="utf-8"?>
+<file path=ppt/notesSlides/notesSlide18.xml><?xml version="1.0" encoding="utf-8"?>
 <p:notes xmlns:a="http://schemas.openxmlformats.org/drawingml/2006/main" xmlns:r="http://schemas.openxmlformats.org/officeDocument/2006/relationships" xmlns:p="http://schemas.openxmlformats.org/presentationml/2006/main" showMasterSp="0" showMasterPhAnim="0">
   <p:cSld>
     <p:spTree>
@@ -2581,7 +2851,7 @@
 </p:notes>
 </file>
 
-<file path=ppt/notesSlides/notesSlide18.xml><?xml version="1.0" encoding="utf-8"?>
+<file path=ppt/notesSlides/notesSlide19.xml><?xml version="1.0" encoding="utf-8"?>
 <p:notes xmlns:a="http://schemas.openxmlformats.org/drawingml/2006/main" xmlns:r="http://schemas.openxmlformats.org/officeDocument/2006/relationships" xmlns:p="http://schemas.openxmlformats.org/presentationml/2006/main" showMasterSp="0" showMasterPhAnim="0">
   <p:cSld>
     <p:spTree>
@@ -2738,7 +3008,180 @@
 </p:notes>
 </file>
 
-<file path=ppt/notesSlides/notesSlide19.xml><?xml version="1.0" encoding="utf-8"?>
+<file path=ppt/notesSlides/notesSlide2.xml><?xml version="1.0" encoding="utf-8"?>
+<p:notes xmlns:a="http://schemas.openxmlformats.org/drawingml/2006/main" xmlns:r="http://schemas.openxmlformats.org/officeDocument/2006/relationships" xmlns:p="http://schemas.openxmlformats.org/presentationml/2006/main">
+  <p:cSld>
+    <p:spTree>
+      <p:nvGrpSpPr>
+        <p:cNvPr id="1" name=""/>
+        <p:cNvGrpSpPr/>
+        <p:nvPr/>
+      </p:nvGrpSpPr>
+      <p:grpSpPr>
+        <a:xfrm>
+          <a:off x="0" y="0"/>
+          <a:ext cx="0" cy="0"/>
+          <a:chOff x="0" y="0"/>
+          <a:chExt cx="0" cy="0"/>
+        </a:xfrm>
+      </p:grpSpPr>
+      <p:sp>
+        <p:nvSpPr>
+          <p:cNvPr id="2" name="Slide Image Placeholder 1"/>
+          <p:cNvSpPr>
+            <a:spLocks noGrp="1" noRot="1" noChangeAspect="1"/>
+          </p:cNvSpPr>
+          <p:nvPr>
+            <p:ph type="sldImg"/>
+          </p:nvPr>
+        </p:nvSpPr>
+        <p:spPr/>
+      </p:sp>
+      <p:sp>
+        <p:nvSpPr>
+          <p:cNvPr id="3" name="Notes Placeholder 2"/>
+          <p:cNvSpPr>
+            <a:spLocks noGrp="1"/>
+          </p:cNvSpPr>
+          <p:nvPr>
+            <p:ph type="body" idx="1"/>
+          </p:nvPr>
+        </p:nvSpPr>
+        <p:spPr/>
+        <p:txBody>
+          <a:bodyPr/>
+          <a:lstStyle/>
+          <a:p>
+            <a:pPr lvl="0" rtl="0">
+              <a:spcBef>
+                <a:spcPts val="0"/>
+              </a:spcBef>
+              <a:spcAft>
+                <a:spcPts val="1200"/>
+              </a:spcAft>
+              <a:buClr>
+                <a:schemeClr val="dk1"/>
+              </a:buClr>
+              <a:buSzPct val="91666"/>
+              <a:buFont typeface="Arial"/>
+              <a:buNone/>
+            </a:pPr>
+            <a:r>
+              <a:rPr lang="en-US" sz="1200" dirty="0">
+                <a:solidFill>
+                  <a:schemeClr val="dk1"/>
+                </a:solidFill>
+              </a:rPr>
+              <a:t>The Web is an extension of our computing environment because most of our daily tasks involve interaction with the Web. </a:t>
+            </a:r>
+          </a:p>
+          <a:p>
+            <a:pPr lvl="0" rtl="0">
+              <a:spcBef>
+                <a:spcPts val="0"/>
+              </a:spcBef>
+              <a:spcAft>
+                <a:spcPts val="1200"/>
+              </a:spcAft>
+              <a:buClr>
+                <a:schemeClr val="dk1"/>
+              </a:buClr>
+              <a:buSzPct val="91666"/>
+              <a:buFont typeface="Arial"/>
+              <a:buNone/>
+            </a:pPr>
+            <a:r>
+              <a:rPr lang="en-US" sz="1200" dirty="0">
+                <a:solidFill>
+                  <a:schemeClr val="dk1"/>
+                </a:solidFill>
+              </a:rPr>
+              <a:t>In this lesson we will first review how the Web works, that is, how the browser interacts with websites, and the major threat vectors.</a:t>
+            </a:r>
+          </a:p>
+          <a:p>
+            <a:pPr lvl="0" rtl="0">
+              <a:spcBef>
+                <a:spcPts val="0"/>
+              </a:spcBef>
+              <a:spcAft>
+                <a:spcPts val="1200"/>
+              </a:spcAft>
+              <a:buClr>
+                <a:schemeClr val="dk1"/>
+              </a:buClr>
+              <a:buSzPct val="91666"/>
+              <a:buFont typeface="Arial"/>
+              <a:buNone/>
+            </a:pPr>
+            <a:r>
+              <a:rPr lang="en-US" sz="1200" dirty="0">
+                <a:solidFill>
+                  <a:schemeClr val="dk1"/>
+                </a:solidFill>
+              </a:rPr>
+              <a:t>We will then discuss several attacks: cross site scripting, cross site request forgery, and SQL injection</a:t>
+            </a:r>
+          </a:p>
+          <a:p>
+            <a:pPr lvl="0" rtl="0">
+              <a:spcBef>
+                <a:spcPts val="0"/>
+              </a:spcBef>
+              <a:spcAft>
+                <a:spcPts val="1200"/>
+              </a:spcAft>
+              <a:buNone/>
+            </a:pPr>
+            <a:endParaRPr lang="en-US" sz="1200" dirty="0">
+              <a:solidFill>
+                <a:schemeClr val="dk1"/>
+              </a:solidFill>
+            </a:endParaRPr>
+          </a:p>
+          <a:p>
+            <a:endParaRPr lang="en-SE" dirty="0"/>
+          </a:p>
+        </p:txBody>
+      </p:sp>
+      <p:sp>
+        <p:nvSpPr>
+          <p:cNvPr id="4" name="Slide Number Placeholder 3"/>
+          <p:cNvSpPr>
+            <a:spLocks noGrp="1"/>
+          </p:cNvSpPr>
+          <p:nvPr>
+            <p:ph type="sldNum" sz="quarter" idx="5"/>
+          </p:nvPr>
+        </p:nvSpPr>
+        <p:spPr/>
+        <p:txBody>
+          <a:bodyPr/>
+          <a:lstStyle/>
+          <a:p>
+            <a:fld id="{F8560DBF-F109-8946-ADF0-EE66B221E988}" type="slidenum">
+              <a:rPr lang="en-AU" smtClean="0"/>
+              <a:pPr/>
+              <a:t>2</a:t>
+            </a:fld>
+            <a:endParaRPr lang="en-AU" dirty="0"/>
+          </a:p>
+        </p:txBody>
+      </p:sp>
+    </p:spTree>
+    <p:extLst>
+      <p:ext uri="{BB962C8B-B14F-4D97-AF65-F5344CB8AC3E}">
+        <p14:creationId xmlns:p14="http://schemas.microsoft.com/office/powerpoint/2010/main" val="386536448"/>
+      </p:ext>
+    </p:extLst>
+  </p:cSld>
+  <p:clrMapOvr>
+    <a:masterClrMapping/>
+  </p:clrMapOvr>
+</p:notes>
+</file>
+
+<file path=ppt/notesSlides/notesSlide20.xml><?xml version="1.0" encoding="utf-8"?>
 <p:notes xmlns:a="http://schemas.openxmlformats.org/drawingml/2006/main" xmlns:r="http://schemas.openxmlformats.org/officeDocument/2006/relationships" xmlns:p="http://schemas.openxmlformats.org/presentationml/2006/main" showMasterSp="0" showMasterPhAnim="0">
   <p:cSld>
     <p:spTree>
@@ -2947,180 +3390,7 @@
 </p:notes>
 </file>
 
-<file path=ppt/notesSlides/notesSlide2.xml><?xml version="1.0" encoding="utf-8"?>
-<p:notes xmlns:a="http://schemas.openxmlformats.org/drawingml/2006/main" xmlns:r="http://schemas.openxmlformats.org/officeDocument/2006/relationships" xmlns:p="http://schemas.openxmlformats.org/presentationml/2006/main">
-  <p:cSld>
-    <p:spTree>
-      <p:nvGrpSpPr>
-        <p:cNvPr id="1" name=""/>
-        <p:cNvGrpSpPr/>
-        <p:nvPr/>
-      </p:nvGrpSpPr>
-      <p:grpSpPr>
-        <a:xfrm>
-          <a:off x="0" y="0"/>
-          <a:ext cx="0" cy="0"/>
-          <a:chOff x="0" y="0"/>
-          <a:chExt cx="0" cy="0"/>
-        </a:xfrm>
-      </p:grpSpPr>
-      <p:sp>
-        <p:nvSpPr>
-          <p:cNvPr id="2" name="Slide Image Placeholder 1"/>
-          <p:cNvSpPr>
-            <a:spLocks noGrp="1" noRot="1" noChangeAspect="1"/>
-          </p:cNvSpPr>
-          <p:nvPr>
-            <p:ph type="sldImg"/>
-          </p:nvPr>
-        </p:nvSpPr>
-        <p:spPr/>
-      </p:sp>
-      <p:sp>
-        <p:nvSpPr>
-          <p:cNvPr id="3" name="Notes Placeholder 2"/>
-          <p:cNvSpPr>
-            <a:spLocks noGrp="1"/>
-          </p:cNvSpPr>
-          <p:nvPr>
-            <p:ph type="body" idx="1"/>
-          </p:nvPr>
-        </p:nvSpPr>
-        <p:spPr/>
-        <p:txBody>
-          <a:bodyPr/>
-          <a:lstStyle/>
-          <a:p>
-            <a:pPr lvl="0" rtl="0">
-              <a:spcBef>
-                <a:spcPts val="0"/>
-              </a:spcBef>
-              <a:spcAft>
-                <a:spcPts val="1200"/>
-              </a:spcAft>
-              <a:buClr>
-                <a:schemeClr val="dk1"/>
-              </a:buClr>
-              <a:buSzPct val="91666"/>
-              <a:buFont typeface="Arial"/>
-              <a:buNone/>
-            </a:pPr>
-            <a:r>
-              <a:rPr lang="en-US" sz="1200" dirty="0">
-                <a:solidFill>
-                  <a:schemeClr val="dk1"/>
-                </a:solidFill>
-              </a:rPr>
-              <a:t>The Web is an extension of our computing environment because most of our daily tasks involve interaction with the Web. </a:t>
-            </a:r>
-          </a:p>
-          <a:p>
-            <a:pPr lvl="0" rtl="0">
-              <a:spcBef>
-                <a:spcPts val="0"/>
-              </a:spcBef>
-              <a:spcAft>
-                <a:spcPts val="1200"/>
-              </a:spcAft>
-              <a:buClr>
-                <a:schemeClr val="dk1"/>
-              </a:buClr>
-              <a:buSzPct val="91666"/>
-              <a:buFont typeface="Arial"/>
-              <a:buNone/>
-            </a:pPr>
-            <a:r>
-              <a:rPr lang="en-US" sz="1200" dirty="0">
-                <a:solidFill>
-                  <a:schemeClr val="dk1"/>
-                </a:solidFill>
-              </a:rPr>
-              <a:t>In this lesson we will first review how the Web works, that is, how the browser interacts with websites, and the major threat vectors.</a:t>
-            </a:r>
-          </a:p>
-          <a:p>
-            <a:pPr lvl="0" rtl="0">
-              <a:spcBef>
-                <a:spcPts val="0"/>
-              </a:spcBef>
-              <a:spcAft>
-                <a:spcPts val="1200"/>
-              </a:spcAft>
-              <a:buClr>
-                <a:schemeClr val="dk1"/>
-              </a:buClr>
-              <a:buSzPct val="91666"/>
-              <a:buFont typeface="Arial"/>
-              <a:buNone/>
-            </a:pPr>
-            <a:r>
-              <a:rPr lang="en-US" sz="1200" dirty="0">
-                <a:solidFill>
-                  <a:schemeClr val="dk1"/>
-                </a:solidFill>
-              </a:rPr>
-              <a:t>We will then discuss several attacks: cross site scripting, cross site request forgery, and SQL injection</a:t>
-            </a:r>
-          </a:p>
-          <a:p>
-            <a:pPr lvl="0" rtl="0">
-              <a:spcBef>
-                <a:spcPts val="0"/>
-              </a:spcBef>
-              <a:spcAft>
-                <a:spcPts val="1200"/>
-              </a:spcAft>
-              <a:buNone/>
-            </a:pPr>
-            <a:endParaRPr lang="en-US" sz="1200" dirty="0">
-              <a:solidFill>
-                <a:schemeClr val="dk1"/>
-              </a:solidFill>
-            </a:endParaRPr>
-          </a:p>
-          <a:p>
-            <a:endParaRPr lang="en-SE" dirty="0"/>
-          </a:p>
-        </p:txBody>
-      </p:sp>
-      <p:sp>
-        <p:nvSpPr>
-          <p:cNvPr id="4" name="Slide Number Placeholder 3"/>
-          <p:cNvSpPr>
-            <a:spLocks noGrp="1"/>
-          </p:cNvSpPr>
-          <p:nvPr>
-            <p:ph type="sldNum" sz="quarter" idx="5"/>
-          </p:nvPr>
-        </p:nvSpPr>
-        <p:spPr/>
-        <p:txBody>
-          <a:bodyPr/>
-          <a:lstStyle/>
-          <a:p>
-            <a:fld id="{F8560DBF-F109-8946-ADF0-EE66B221E988}" type="slidenum">
-              <a:rPr lang="en-AU" smtClean="0"/>
-              <a:pPr/>
-              <a:t>2</a:t>
-            </a:fld>
-            <a:endParaRPr lang="en-AU" dirty="0"/>
-          </a:p>
-        </p:txBody>
-      </p:sp>
-    </p:spTree>
-    <p:extLst>
-      <p:ext uri="{BB962C8B-B14F-4D97-AF65-F5344CB8AC3E}">
-        <p14:creationId xmlns:p14="http://schemas.microsoft.com/office/powerpoint/2010/main" val="386536448"/>
-      </p:ext>
-    </p:extLst>
-  </p:cSld>
-  <p:clrMapOvr>
-    <a:masterClrMapping/>
-  </p:clrMapOvr>
-</p:notes>
-</file>
-
-<file path=ppt/notesSlides/notesSlide20.xml><?xml version="1.0" encoding="utf-8"?>
+<file path=ppt/notesSlides/notesSlide21.xml><?xml version="1.0" encoding="utf-8"?>
 <p:notes xmlns:a="http://schemas.openxmlformats.org/drawingml/2006/main" xmlns:r="http://schemas.openxmlformats.org/officeDocument/2006/relationships" xmlns:p="http://schemas.openxmlformats.org/presentationml/2006/main" showMasterSp="0" showMasterPhAnim="0">
   <p:cSld>
     <p:spTree>
@@ -3225,12 +3495,46 @@
               <a:buNone/>
             </a:pPr>
             <a:r>
-              <a:rPr lang="en-US" sz="1200">
+              <a:rPr lang="en-US" sz="1200" dirty="0">
                 <a:solidFill>
                   <a:schemeClr val="dk1"/>
                 </a:solidFill>
               </a:rPr>
-              <a:t>Here is an example of web form. A user would enter his name and password.</a:t>
+              <a:t>Here is an example of web form. A user would enter his name and password</a:t>
+            </a:r>
+            <a:r>
+              <a:rPr lang="en-US" sz="1200" dirty="0" smtClean="0">
+                <a:solidFill>
+                  <a:schemeClr val="dk1"/>
+                </a:solidFill>
+              </a:rPr>
+              <a:t>.</a:t>
+            </a:r>
+            <a:endParaRPr lang="en-SE" sz="1200" dirty="0" smtClean="0">
+              <a:solidFill>
+                <a:schemeClr val="dk1"/>
+              </a:solidFill>
+            </a:endParaRPr>
+          </a:p>
+          <a:p>
+            <a:pPr lvl="0" rtl="0">
+              <a:spcBef>
+                <a:spcPts val="0"/>
+              </a:spcBef>
+              <a:buClr>
+                <a:schemeClr val="dk1"/>
+              </a:buClr>
+              <a:buSzPct val="25000"/>
+              <a:buFont typeface="Times New Roman"/>
+              <a:buNone/>
+            </a:pPr>
+            <a:r>
+              <a:rPr lang="en-GB" sz="1200" dirty="0" smtClean="0">
+                <a:solidFill>
+                  <a:schemeClr val="dk1"/>
+                </a:solidFill>
+              </a:rPr>
+              <a:t>The password is sent in encrypted hash form to the web server, and the web server needs to retrieve the user’s password hash from the database to compare and authenticate the user. That is, the web server issues a SQL query to the database.</a:t>
             </a:r>
           </a:p>
           <a:p>
@@ -3240,7 +3544,34 @@
               </a:spcBef>
               <a:buNone/>
             </a:pPr>
-            <a:endParaRPr/>
+            <a:endParaRPr lang="en-GB" dirty="0" smtClean="0"/>
+          </a:p>
+          <a:p>
+            <a:pPr lvl="0" rtl="0">
+              <a:spcBef>
+                <a:spcPts val="0"/>
+              </a:spcBef>
+              <a:buClr>
+                <a:schemeClr val="dk1"/>
+              </a:buClr>
+              <a:buSzPct val="25000"/>
+              <a:buFont typeface="Times New Roman"/>
+              <a:buNone/>
+            </a:pPr>
+            <a:endParaRPr lang="en-US" sz="1200" dirty="0">
+              <a:solidFill>
+                <a:schemeClr val="dk1"/>
+              </a:solidFill>
+            </a:endParaRPr>
+          </a:p>
+          <a:p>
+            <a:pPr>
+              <a:spcBef>
+                <a:spcPts val="0"/>
+              </a:spcBef>
+              <a:buNone/>
+            </a:pPr>
+            <a:endParaRPr dirty="0"/>
           </a:p>
         </p:txBody>
       </p:sp>
@@ -3291,12 +3622,12 @@
 </p:notes>
 </file>
 
-<file path=ppt/notesSlides/notesSlide21.xml><?xml version="1.0" encoding="utf-8"?>
+<file path=ppt/notesSlides/notesSlide22.xml><?xml version="1.0" encoding="utf-8"?>
 <p:notes xmlns:a="http://schemas.openxmlformats.org/drawingml/2006/main" xmlns:r="http://schemas.openxmlformats.org/officeDocument/2006/relationships" xmlns:p="http://schemas.openxmlformats.org/presentationml/2006/main" showMasterSp="0" showMasterPhAnim="0">
   <p:cSld>
     <p:spTree>
       <p:nvGrpSpPr>
-        <p:cNvPr id="1" name="Shape 194"/>
+        <p:cNvPr id="1" name="Shape 201"/>
         <p:cNvGrpSpPr/>
         <p:nvPr/>
       </p:nvGrpSpPr>
@@ -3310,7 +3641,7 @@
       </p:grpSpPr>
       <p:sp>
         <p:nvSpPr>
-          <p:cNvPr id="195" name="Shape 195"/>
+          <p:cNvPr id="202" name="Shape 202"/>
           <p:cNvSpPr>
             <a:spLocks noGrp="1" noRot="1" noChangeAspect="1"/>
           </p:cNvSpPr>
@@ -3361,7 +3692,7 @@
       </p:sp>
       <p:sp>
         <p:nvSpPr>
-          <p:cNvPr id="196" name="Shape 196"/>
+          <p:cNvPr id="203" name="Shape 203"/>
           <p:cNvSpPr txBox="1">
             <a:spLocks noGrp="1"/>
           </p:cNvSpPr>
@@ -3384,24 +3715,54 @@
           </a:bodyPr>
           <a:lstStyle/>
           <a:p>
-            <a:pPr lvl="0" rtl="0">
+            <a:pPr marL="0" marR="0" indent="0" algn="l" defTabSz="914400" rtl="0" eaLnBrk="1" fontAlgn="base" latinLnBrk="0" hangingPunct="1">
+              <a:lnSpc>
+                <a:spcPct val="100000"/>
+              </a:lnSpc>
               <a:spcBef>
                 <a:spcPts val="0"/>
               </a:spcBef>
-              <a:buClr>
-                <a:schemeClr val="dk1"/>
-              </a:buClr>
-              <a:buSzPct val="25000"/>
-              <a:buFont typeface="Times New Roman"/>
+              <a:spcAft>
+                <a:spcPct val="0"/>
+              </a:spcAft>
+              <a:buClrTx/>
+              <a:buSzTx/>
+              <a:buFontTx/>
               <a:buNone/>
-            </a:pPr>
-            <a:r>
-              <a:rPr lang="en-US" sz="1200">
+              <a:tabLst/>
+              <a:defRPr/>
+            </a:pPr>
+            <a:r>
+              <a:rPr lang="en-US" sz="1200" dirty="0">
                 <a:solidFill>
                   <a:schemeClr val="dk1"/>
                 </a:solidFill>
               </a:rPr>
-              <a:t>The password is sent in encrypted hash form to the web server, and the web server needs to retrieve the user’s password hash from the database to compare and authenticate the user. That is, the web server issues a SQL query to the database.</a:t>
+              <a:t>Now suppose an attacker enters this malicious string as the user name</a:t>
+            </a:r>
+            <a:r>
+              <a:rPr lang="en-US" sz="1200" dirty="0" smtClean="0">
+                <a:solidFill>
+                  <a:schemeClr val="dk1"/>
+                </a:solidFill>
+              </a:rPr>
+              <a:t>.</a:t>
+            </a:r>
+            <a:r>
+              <a:rPr lang="en-SE" sz="1200" dirty="0" smtClean="0">
+                <a:solidFill>
+                  <a:schemeClr val="dk1"/>
+                </a:solidFill>
+              </a:rPr>
+              <a:t> </a:t>
+            </a:r>
+            <a:r>
+              <a:rPr lang="en-US" sz="1200" dirty="0" smtClean="0">
+                <a:solidFill>
+                  <a:schemeClr val="dk1"/>
+                </a:solidFill>
+              </a:rPr>
+              <a:t>The actual SQL query to the backend database server is to delete all user records!</a:t>
             </a:r>
           </a:p>
           <a:p>
@@ -3411,13 +3772,17 @@
               </a:spcBef>
               <a:buNone/>
             </a:pPr>
-            <a:endParaRPr/>
-          </a:p>
-        </p:txBody>
-      </p:sp>
-      <p:sp>
-        <p:nvSpPr>
-          <p:cNvPr id="197" name="Shape 197"/>
+            <a:endParaRPr lang="en-US" sz="1200" dirty="0">
+              <a:solidFill>
+                <a:schemeClr val="dk1"/>
+              </a:solidFill>
+            </a:endParaRPr>
+          </a:p>
+        </p:txBody>
+      </p:sp>
+      <p:sp>
+        <p:nvSpPr>
+          <p:cNvPr id="204" name="Shape 204"/>
           <p:cNvSpPr txBox="1">
             <a:spLocks noGrp="1"/>
           </p:cNvSpPr>
@@ -3462,12 +3827,12 @@
 </p:notes>
 </file>
 
-<file path=ppt/notesSlides/notesSlide22.xml><?xml version="1.0" encoding="utf-8"?>
-<p:notes xmlns:a="http://schemas.openxmlformats.org/drawingml/2006/main" xmlns:r="http://schemas.openxmlformats.org/officeDocument/2006/relationships" xmlns:p="http://schemas.openxmlformats.org/presentationml/2006/main" showMasterSp="0" showMasterPhAnim="0">
+<file path=ppt/notesSlides/notesSlide23.xml><?xml version="1.0" encoding="utf-8"?>
+<p:notes xmlns:a="http://schemas.openxmlformats.org/drawingml/2006/main" xmlns:r="http://schemas.openxmlformats.org/officeDocument/2006/relationships" xmlns:p="http://schemas.openxmlformats.org/presentationml/2006/main">
   <p:cSld>
     <p:spTree>
       <p:nvGrpSpPr>
-        <p:cNvPr id="1" name="Shape 201"/>
+        <p:cNvPr id="1" name=""/>
         <p:cNvGrpSpPr/>
         <p:nvPr/>
       </p:nvGrpSpPr>
@@ -3481,7 +3846,129 @@
       </p:grpSpPr>
       <p:sp>
         <p:nvSpPr>
-          <p:cNvPr id="202" name="Shape 202"/>
+          <p:cNvPr id="2" name="Slide Image Placeholder 1"/>
+          <p:cNvSpPr>
+            <a:spLocks noGrp="1" noRot="1" noChangeAspect="1"/>
+          </p:cNvSpPr>
+          <p:nvPr>
+            <p:ph type="sldImg"/>
+          </p:nvPr>
+        </p:nvSpPr>
+        <p:spPr/>
+      </p:sp>
+      <p:sp>
+        <p:nvSpPr>
+          <p:cNvPr id="3" name="Notes Placeholder 2"/>
+          <p:cNvSpPr>
+            <a:spLocks noGrp="1"/>
+          </p:cNvSpPr>
+          <p:nvPr>
+            <p:ph type="body" idx="1"/>
+          </p:nvPr>
+        </p:nvSpPr>
+        <p:spPr/>
+        <p:txBody>
+          <a:bodyPr/>
+          <a:lstStyle/>
+          <a:p>
+            <a:pPr lvl="0" rtl="0">
+              <a:spcBef>
+                <a:spcPts val="0"/>
+              </a:spcBef>
+              <a:buNone/>
+            </a:pPr>
+            <a:endParaRPr lang="en-US" dirty="0"/>
+          </a:p>
+          <a:p>
+            <a:pPr lvl="0" rtl="0">
+              <a:spcBef>
+                <a:spcPts val="0"/>
+              </a:spcBef>
+              <a:buNone/>
+            </a:pPr>
+            <a:r>
+              <a:rPr lang="en-US" b="1" dirty="0"/>
+              <a:t>SOLUTION:</a:t>
+            </a:r>
+          </a:p>
+          <a:p>
+            <a:pPr lvl="0" rtl="0">
+              <a:spcBef>
+                <a:spcPts val="0"/>
+              </a:spcBef>
+              <a:buNone/>
+            </a:pPr>
+            <a:r>
+              <a:rPr lang="en-US" sz="1200" dirty="0">
+                <a:solidFill>
+                  <a:schemeClr val="dk1"/>
+                </a:solidFill>
+              </a:rPr>
+              <a:t>B. Blacklisting is hard because.</a:t>
+            </a:r>
+          </a:p>
+          <a:p>
+            <a:endParaRPr lang="en-SE" dirty="0"/>
+          </a:p>
+        </p:txBody>
+      </p:sp>
+      <p:sp>
+        <p:nvSpPr>
+          <p:cNvPr id="4" name="Slide Number Placeholder 3"/>
+          <p:cNvSpPr>
+            <a:spLocks noGrp="1"/>
+          </p:cNvSpPr>
+          <p:nvPr>
+            <p:ph type="sldNum" sz="quarter" idx="5"/>
+          </p:nvPr>
+        </p:nvSpPr>
+        <p:spPr/>
+        <p:txBody>
+          <a:bodyPr/>
+          <a:lstStyle/>
+          <a:p>
+            <a:fld id="{F8560DBF-F109-8946-ADF0-EE66B221E988}" type="slidenum">
+              <a:rPr lang="en-AU" smtClean="0"/>
+              <a:pPr/>
+              <a:t>23</a:t>
+            </a:fld>
+            <a:endParaRPr lang="en-AU" dirty="0"/>
+          </a:p>
+        </p:txBody>
+      </p:sp>
+    </p:spTree>
+    <p:extLst>
+      <p:ext uri="{BB962C8B-B14F-4D97-AF65-F5344CB8AC3E}">
+        <p14:creationId xmlns:p14="http://schemas.microsoft.com/office/powerpoint/2010/main" val="3751007360"/>
+      </p:ext>
+    </p:extLst>
+  </p:cSld>
+  <p:clrMapOvr>
+    <a:masterClrMapping/>
+  </p:clrMapOvr>
+</p:notes>
+</file>
+
+<file path=ppt/notesSlides/notesSlide3.xml><?xml version="1.0" encoding="utf-8"?>
+<p:notes xmlns:a="http://schemas.openxmlformats.org/drawingml/2006/main" xmlns:r="http://schemas.openxmlformats.org/officeDocument/2006/relationships" xmlns:p="http://schemas.openxmlformats.org/presentationml/2006/main" showMasterSp="0" showMasterPhAnim="0">
+  <p:cSld>
+    <p:spTree>
+      <p:nvGrpSpPr>
+        <p:cNvPr id="1" name="Shape 27"/>
+        <p:cNvGrpSpPr/>
+        <p:nvPr/>
+      </p:nvGrpSpPr>
+      <p:grpSpPr>
+        <a:xfrm>
+          <a:off x="0" y="0"/>
+          <a:ext cx="0" cy="0"/>
+          <a:chOff x="0" y="0"/>
+          <a:chExt cx="0" cy="0"/>
+        </a:xfrm>
+      </p:grpSpPr>
+      <p:sp>
+        <p:nvSpPr>
+          <p:cNvPr id="28" name="Shape 28"/>
           <p:cNvSpPr>
             <a:spLocks noGrp="1" noRot="1" noChangeAspect="1"/>
           </p:cNvSpPr>
@@ -3532,7 +4019,7 @@
       </p:sp>
       <p:sp>
         <p:nvSpPr>
-          <p:cNvPr id="203" name="Shape 203"/>
+          <p:cNvPr id="29" name="Shape 29"/>
           <p:cNvSpPr txBox="1">
             <a:spLocks noGrp="1"/>
           </p:cNvSpPr>
@@ -3555,26 +4042,48 @@
           </a:bodyPr>
           <a:lstStyle/>
           <a:p>
-            <a:pPr>
+            <a:pPr lvl="0" rtl="0">
               <a:spcBef>
                 <a:spcPts val="0"/>
               </a:spcBef>
+              <a:buClr>
+                <a:schemeClr val="dk1"/>
+              </a:buClr>
+              <a:buSzPct val="25000"/>
+              <a:buFont typeface="Times New Roman"/>
               <a:buNone/>
             </a:pPr>
             <a:r>
-              <a:rPr lang="en-US" sz="1200">
+              <a:rPr lang="en-US" sz="1200" dirty="0">
                 <a:solidFill>
                   <a:schemeClr val="dk1"/>
                 </a:solidFill>
               </a:rPr>
-              <a:t>Now suppose an attacker enters this malicious string as the user name.</a:t>
-            </a:r>
-          </a:p>
-        </p:txBody>
-      </p:sp>
-      <p:sp>
-        <p:nvSpPr>
-          <p:cNvPr id="204" name="Shape 204"/>
+              <a:t>Let’s briefly review how the web works.</a:t>
+            </a:r>
+          </a:p>
+          <a:p>
+            <a:pPr lvl="0" rtl="0">
+              <a:spcBef>
+                <a:spcPts val="0"/>
+              </a:spcBef>
+              <a:buClr>
+                <a:schemeClr val="dk1"/>
+              </a:buClr>
+              <a:buFont typeface="Arial"/>
+              <a:buNone/>
+            </a:pPr>
+            <a:endParaRPr sz="1200" dirty="0">
+              <a:solidFill>
+                <a:schemeClr val="dk1"/>
+              </a:solidFill>
+            </a:endParaRPr>
+          </a:p>
+        </p:txBody>
+      </p:sp>
+      <p:sp>
+        <p:nvSpPr>
+          <p:cNvPr id="30" name="Shape 30"/>
           <p:cNvSpPr txBox="1">
             <a:spLocks noGrp="1"/>
           </p:cNvSpPr>
@@ -3597,15 +4106,20 @@
           </a:bodyPr>
           <a:lstStyle/>
           <a:p>
-            <a:pPr lvl="0" rtl="0">
+            <a:pPr lvl="0">
               <a:spcBef>
                 <a:spcPts val="0"/>
               </a:spcBef>
+              <a:buClr>
+                <a:srgbClr val="000000"/>
+              </a:buClr>
+              <a:buSzPct val="25000"/>
+              <a:buFont typeface="Times New Roman"/>
               <a:buNone/>
             </a:pPr>
             <a:fld id="{00000000-1234-1234-1234-123412341234}" type="slidenum">
               <a:rPr lang="en-US"/>
-              <a:t>23</a:t>
+              <a:t>3</a:t>
             </a:fld>
             <a:endParaRPr lang="en-US"/>
           </a:p>
@@ -3619,12 +4133,12 @@
 </p:notes>
 </file>
 
-<file path=ppt/notesSlides/notesSlide23.xml><?xml version="1.0" encoding="utf-8"?>
+<file path=ppt/notesSlides/notesSlide4.xml><?xml version="1.0" encoding="utf-8"?>
 <p:notes xmlns:a="http://schemas.openxmlformats.org/drawingml/2006/main" xmlns:r="http://schemas.openxmlformats.org/officeDocument/2006/relationships" xmlns:p="http://schemas.openxmlformats.org/presentationml/2006/main" showMasterSp="0" showMasterPhAnim="0">
   <p:cSld>
     <p:spTree>
       <p:nvGrpSpPr>
-        <p:cNvPr id="1" name="Shape 208"/>
+        <p:cNvPr id="1" name="Shape 34"/>
         <p:cNvGrpSpPr/>
         <p:nvPr/>
       </p:nvGrpSpPr>
@@ -3638,7 +4152,7 @@
       </p:grpSpPr>
       <p:sp>
         <p:nvSpPr>
-          <p:cNvPr id="209" name="Shape 209"/>
+          <p:cNvPr id="35" name="Shape 35"/>
           <p:cNvSpPr>
             <a:spLocks noGrp="1" noRot="1" noChangeAspect="1"/>
           </p:cNvSpPr>
@@ -3689,469 +4203,6 @@
       </p:sp>
       <p:sp>
         <p:nvSpPr>
-          <p:cNvPr id="210" name="Shape 210"/>
-          <p:cNvSpPr txBox="1">
-            <a:spLocks noGrp="1"/>
-          </p:cNvSpPr>
-          <p:nvPr>
-            <p:ph type="body" idx="1"/>
-          </p:nvPr>
-        </p:nvSpPr>
-        <p:spPr>
-          <a:xfrm>
-            <a:off x="931862" y="4408487"/>
-            <a:ext cx="5121300" cy="4176599"/>
-          </a:xfrm>
-          <a:prstGeom prst="rect">
-            <a:avLst/>
-          </a:prstGeom>
-        </p:spPr>
-        <p:txBody>
-          <a:bodyPr lIns="91425" tIns="91425" rIns="91425" bIns="91425" anchor="ctr" anchorCtr="0">
-            <a:noAutofit/>
-          </a:bodyPr>
-          <a:lstStyle/>
-          <a:p>
-            <a:pPr>
-              <a:spcBef>
-                <a:spcPts val="0"/>
-              </a:spcBef>
-              <a:buNone/>
-            </a:pPr>
-            <a:r>
-              <a:rPr lang="en-US" sz="1200">
-                <a:solidFill>
-                  <a:schemeClr val="dk1"/>
-                </a:solidFill>
-              </a:rPr>
-              <a:t>The actual SQL query to the backend database server is to delete all user records!</a:t>
-            </a:r>
-          </a:p>
-        </p:txBody>
-      </p:sp>
-      <p:sp>
-        <p:nvSpPr>
-          <p:cNvPr id="211" name="Shape 211"/>
-          <p:cNvSpPr txBox="1">
-            <a:spLocks noGrp="1"/>
-          </p:cNvSpPr>
-          <p:nvPr>
-            <p:ph type="sldNum" idx="12"/>
-          </p:nvPr>
-        </p:nvSpPr>
-        <p:spPr>
-          <a:xfrm>
-            <a:off x="3957637" y="8818561"/>
-            <a:ext cx="3028800" cy="463499"/>
-          </a:xfrm>
-          <a:prstGeom prst="rect">
-            <a:avLst/>
-          </a:prstGeom>
-        </p:spPr>
-        <p:txBody>
-          <a:bodyPr lIns="19350" tIns="0" rIns="19350" bIns="0" anchor="b" anchorCtr="0">
-            <a:noAutofit/>
-          </a:bodyPr>
-          <a:lstStyle/>
-          <a:p>
-            <a:pPr lvl="0" rtl="0">
-              <a:spcBef>
-                <a:spcPts val="0"/>
-              </a:spcBef>
-              <a:buNone/>
-            </a:pPr>
-            <a:fld id="{00000000-1234-1234-1234-123412341234}" type="slidenum">
-              <a:rPr lang="en-US"/>
-              <a:t>24</a:t>
-            </a:fld>
-            <a:endParaRPr lang="en-US"/>
-          </a:p>
-        </p:txBody>
-      </p:sp>
-    </p:spTree>
-  </p:cSld>
-  <p:clrMapOvr>
-    <a:masterClrMapping/>
-  </p:clrMapOvr>
-</p:notes>
-</file>
-
-<file path=ppt/notesSlides/notesSlide24.xml><?xml version="1.0" encoding="utf-8"?>
-<p:notes xmlns:a="http://schemas.openxmlformats.org/drawingml/2006/main" xmlns:r="http://schemas.openxmlformats.org/officeDocument/2006/relationships" xmlns:p="http://schemas.openxmlformats.org/presentationml/2006/main">
-  <p:cSld>
-    <p:spTree>
-      <p:nvGrpSpPr>
-        <p:cNvPr id="1" name=""/>
-        <p:cNvGrpSpPr/>
-        <p:nvPr/>
-      </p:nvGrpSpPr>
-      <p:grpSpPr>
-        <a:xfrm>
-          <a:off x="0" y="0"/>
-          <a:ext cx="0" cy="0"/>
-          <a:chOff x="0" y="0"/>
-          <a:chExt cx="0" cy="0"/>
-        </a:xfrm>
-      </p:grpSpPr>
-      <p:sp>
-        <p:nvSpPr>
-          <p:cNvPr id="2" name="Slide Image Placeholder 1"/>
-          <p:cNvSpPr>
-            <a:spLocks noGrp="1" noRot="1" noChangeAspect="1"/>
-          </p:cNvSpPr>
-          <p:nvPr>
-            <p:ph type="sldImg"/>
-          </p:nvPr>
-        </p:nvSpPr>
-        <p:spPr/>
-      </p:sp>
-      <p:sp>
-        <p:nvSpPr>
-          <p:cNvPr id="3" name="Notes Placeholder 2"/>
-          <p:cNvSpPr>
-            <a:spLocks noGrp="1"/>
-          </p:cNvSpPr>
-          <p:nvPr>
-            <p:ph type="body" idx="1"/>
-          </p:nvPr>
-        </p:nvSpPr>
-        <p:spPr/>
-        <p:txBody>
-          <a:bodyPr/>
-          <a:lstStyle/>
-          <a:p>
-            <a:pPr lvl="0" rtl="0">
-              <a:spcBef>
-                <a:spcPts val="0"/>
-              </a:spcBef>
-              <a:buNone/>
-            </a:pPr>
-            <a:endParaRPr lang="en-US" dirty="0"/>
-          </a:p>
-          <a:p>
-            <a:pPr lvl="0" rtl="0">
-              <a:spcBef>
-                <a:spcPts val="0"/>
-              </a:spcBef>
-              <a:buNone/>
-            </a:pPr>
-            <a:r>
-              <a:rPr lang="en-US" b="1" dirty="0"/>
-              <a:t>SOLUTION:</a:t>
-            </a:r>
-          </a:p>
-          <a:p>
-            <a:pPr lvl="0" rtl="0">
-              <a:spcBef>
-                <a:spcPts val="0"/>
-              </a:spcBef>
-              <a:buNone/>
-            </a:pPr>
-            <a:r>
-              <a:rPr lang="en-US" sz="1200" dirty="0">
-                <a:solidFill>
-                  <a:schemeClr val="dk1"/>
-                </a:solidFill>
-              </a:rPr>
-              <a:t>B. Blacklisting is hard because.</a:t>
-            </a:r>
-          </a:p>
-          <a:p>
-            <a:endParaRPr lang="en-SE" dirty="0"/>
-          </a:p>
-        </p:txBody>
-      </p:sp>
-      <p:sp>
-        <p:nvSpPr>
-          <p:cNvPr id="4" name="Slide Number Placeholder 3"/>
-          <p:cNvSpPr>
-            <a:spLocks noGrp="1"/>
-          </p:cNvSpPr>
-          <p:nvPr>
-            <p:ph type="sldNum" sz="quarter" idx="5"/>
-          </p:nvPr>
-        </p:nvSpPr>
-        <p:spPr/>
-        <p:txBody>
-          <a:bodyPr/>
-          <a:lstStyle/>
-          <a:p>
-            <a:fld id="{F8560DBF-F109-8946-ADF0-EE66B221E988}" type="slidenum">
-              <a:rPr lang="en-AU" smtClean="0"/>
-              <a:pPr/>
-              <a:t>25</a:t>
-            </a:fld>
-            <a:endParaRPr lang="en-AU" dirty="0"/>
-          </a:p>
-        </p:txBody>
-      </p:sp>
-    </p:spTree>
-    <p:extLst>
-      <p:ext uri="{BB962C8B-B14F-4D97-AF65-F5344CB8AC3E}">
-        <p14:creationId xmlns:p14="http://schemas.microsoft.com/office/powerpoint/2010/main" val="3751007360"/>
-      </p:ext>
-    </p:extLst>
-  </p:cSld>
-  <p:clrMapOvr>
-    <a:masterClrMapping/>
-  </p:clrMapOvr>
-</p:notes>
-</file>
-
-<file path=ppt/notesSlides/notesSlide3.xml><?xml version="1.0" encoding="utf-8"?>
-<p:notes xmlns:a="http://schemas.openxmlformats.org/drawingml/2006/main" xmlns:r="http://schemas.openxmlformats.org/officeDocument/2006/relationships" xmlns:p="http://schemas.openxmlformats.org/presentationml/2006/main" showMasterSp="0" showMasterPhAnim="0">
-  <p:cSld>
-    <p:spTree>
-      <p:nvGrpSpPr>
-        <p:cNvPr id="1" name="Shape 27"/>
-        <p:cNvGrpSpPr/>
-        <p:nvPr/>
-      </p:nvGrpSpPr>
-      <p:grpSpPr>
-        <a:xfrm>
-          <a:off x="0" y="0"/>
-          <a:ext cx="0" cy="0"/>
-          <a:chOff x="0" y="0"/>
-          <a:chExt cx="0" cy="0"/>
-        </a:xfrm>
-      </p:grpSpPr>
-      <p:sp>
-        <p:nvSpPr>
-          <p:cNvPr id="28" name="Shape 28"/>
-          <p:cNvSpPr>
-            <a:spLocks noGrp="1" noRot="1" noChangeAspect="1"/>
-          </p:cNvSpPr>
-          <p:nvPr>
-            <p:ph type="sldImg" idx="2"/>
-          </p:nvPr>
-        </p:nvSpPr>
-        <p:spPr>
-          <a:xfrm>
-            <a:off x="1181100" y="703263"/>
-            <a:ext cx="4622800" cy="3467100"/>
-          </a:xfrm>
-          <a:custGeom>
-            <a:avLst/>
-            <a:gdLst/>
-            <a:ahLst/>
-            <a:cxnLst/>
-            <a:rect l="0" t="0" r="0" b="0"/>
-            <a:pathLst>
-              <a:path w="120000" h="120000" extrusionOk="0">
-                <a:moveTo>
-                  <a:pt x="0" y="0"/>
-                </a:moveTo>
-                <a:lnTo>
-                  <a:pt x="120000" y="0"/>
-                </a:lnTo>
-                <a:lnTo>
-                  <a:pt x="120000" y="120000"/>
-                </a:lnTo>
-                <a:lnTo>
-                  <a:pt x="0" y="120000"/>
-                </a:lnTo>
-                <a:close/>
-              </a:path>
-            </a:pathLst>
-          </a:custGeom>
-          <a:noFill/>
-          <a:ln w="9525" cap="flat" cmpd="sng">
-            <a:solidFill>
-              <a:srgbClr val="000000"/>
-            </a:solidFill>
-            <a:prstDash val="solid"/>
-            <a:round/>
-            <a:headEnd type="none" w="med" len="med"/>
-            <a:tailEnd type="none" w="med" len="med"/>
-          </a:ln>
-        </p:spPr>
-      </p:sp>
-      <p:sp>
-        <p:nvSpPr>
-          <p:cNvPr id="29" name="Shape 29"/>
-          <p:cNvSpPr txBox="1">
-            <a:spLocks noGrp="1"/>
-          </p:cNvSpPr>
-          <p:nvPr>
-            <p:ph type="body" idx="1"/>
-          </p:nvPr>
-        </p:nvSpPr>
-        <p:spPr>
-          <a:xfrm>
-            <a:off x="931862" y="4408487"/>
-            <a:ext cx="5121300" cy="4176599"/>
-          </a:xfrm>
-          <a:prstGeom prst="rect">
-            <a:avLst/>
-          </a:prstGeom>
-        </p:spPr>
-        <p:txBody>
-          <a:bodyPr lIns="91425" tIns="91425" rIns="91425" bIns="91425" anchor="ctr" anchorCtr="0">
-            <a:noAutofit/>
-          </a:bodyPr>
-          <a:lstStyle/>
-          <a:p>
-            <a:pPr lvl="0" rtl="0">
-              <a:spcBef>
-                <a:spcPts val="0"/>
-              </a:spcBef>
-              <a:buClr>
-                <a:schemeClr val="dk1"/>
-              </a:buClr>
-              <a:buSzPct val="25000"/>
-              <a:buFont typeface="Times New Roman"/>
-              <a:buNone/>
-            </a:pPr>
-            <a:r>
-              <a:rPr lang="en-US" sz="1200" dirty="0">
-                <a:solidFill>
-                  <a:schemeClr val="dk1"/>
-                </a:solidFill>
-              </a:rPr>
-              <a:t>Let’s briefly review how the web works.</a:t>
-            </a:r>
-          </a:p>
-          <a:p>
-            <a:pPr lvl="0" rtl="0">
-              <a:spcBef>
-                <a:spcPts val="0"/>
-              </a:spcBef>
-              <a:buClr>
-                <a:schemeClr val="dk1"/>
-              </a:buClr>
-              <a:buFont typeface="Arial"/>
-              <a:buNone/>
-            </a:pPr>
-            <a:endParaRPr sz="1200" dirty="0">
-              <a:solidFill>
-                <a:schemeClr val="dk1"/>
-              </a:solidFill>
-            </a:endParaRPr>
-          </a:p>
-        </p:txBody>
-      </p:sp>
-      <p:sp>
-        <p:nvSpPr>
-          <p:cNvPr id="30" name="Shape 30"/>
-          <p:cNvSpPr txBox="1">
-            <a:spLocks noGrp="1"/>
-          </p:cNvSpPr>
-          <p:nvPr>
-            <p:ph type="sldNum" idx="12"/>
-          </p:nvPr>
-        </p:nvSpPr>
-        <p:spPr>
-          <a:xfrm>
-            <a:off x="3957637" y="8818561"/>
-            <a:ext cx="3028800" cy="463499"/>
-          </a:xfrm>
-          <a:prstGeom prst="rect">
-            <a:avLst/>
-          </a:prstGeom>
-        </p:spPr>
-        <p:txBody>
-          <a:bodyPr lIns="19350" tIns="0" rIns="19350" bIns="0" anchor="b" anchorCtr="0">
-            <a:noAutofit/>
-          </a:bodyPr>
-          <a:lstStyle/>
-          <a:p>
-            <a:pPr lvl="0">
-              <a:spcBef>
-                <a:spcPts val="0"/>
-              </a:spcBef>
-              <a:buClr>
-                <a:srgbClr val="000000"/>
-              </a:buClr>
-              <a:buSzPct val="25000"/>
-              <a:buFont typeface="Times New Roman"/>
-              <a:buNone/>
-            </a:pPr>
-            <a:fld id="{00000000-1234-1234-1234-123412341234}" type="slidenum">
-              <a:rPr lang="en-US"/>
-              <a:t>3</a:t>
-            </a:fld>
-            <a:endParaRPr lang="en-US"/>
-          </a:p>
-        </p:txBody>
-      </p:sp>
-    </p:spTree>
-  </p:cSld>
-  <p:clrMapOvr>
-    <a:masterClrMapping/>
-  </p:clrMapOvr>
-</p:notes>
-</file>
-
-<file path=ppt/notesSlides/notesSlide4.xml><?xml version="1.0" encoding="utf-8"?>
-<p:notes xmlns:a="http://schemas.openxmlformats.org/drawingml/2006/main" xmlns:r="http://schemas.openxmlformats.org/officeDocument/2006/relationships" xmlns:p="http://schemas.openxmlformats.org/presentationml/2006/main" showMasterSp="0" showMasterPhAnim="0">
-  <p:cSld>
-    <p:spTree>
-      <p:nvGrpSpPr>
-        <p:cNvPr id="1" name="Shape 34"/>
-        <p:cNvGrpSpPr/>
-        <p:nvPr/>
-      </p:nvGrpSpPr>
-      <p:grpSpPr>
-        <a:xfrm>
-          <a:off x="0" y="0"/>
-          <a:ext cx="0" cy="0"/>
-          <a:chOff x="0" y="0"/>
-          <a:chExt cx="0" cy="0"/>
-        </a:xfrm>
-      </p:grpSpPr>
-      <p:sp>
-        <p:nvSpPr>
-          <p:cNvPr id="35" name="Shape 35"/>
-          <p:cNvSpPr>
-            <a:spLocks noGrp="1" noRot="1" noChangeAspect="1"/>
-          </p:cNvSpPr>
-          <p:nvPr>
-            <p:ph type="sldImg" idx="2"/>
-          </p:nvPr>
-        </p:nvSpPr>
-        <p:spPr>
-          <a:xfrm>
-            <a:off x="1181100" y="703263"/>
-            <a:ext cx="4622800" cy="3467100"/>
-          </a:xfrm>
-          <a:custGeom>
-            <a:avLst/>
-            <a:gdLst/>
-            <a:ahLst/>
-            <a:cxnLst/>
-            <a:rect l="0" t="0" r="0" b="0"/>
-            <a:pathLst>
-              <a:path w="120000" h="120000" extrusionOk="0">
-                <a:moveTo>
-                  <a:pt x="0" y="0"/>
-                </a:moveTo>
-                <a:lnTo>
-                  <a:pt x="120000" y="0"/>
-                </a:lnTo>
-                <a:lnTo>
-                  <a:pt x="120000" y="120000"/>
-                </a:lnTo>
-                <a:lnTo>
-                  <a:pt x="0" y="120000"/>
-                </a:lnTo>
-                <a:close/>
-              </a:path>
-            </a:pathLst>
-          </a:custGeom>
-          <a:noFill/>
-          <a:ln w="9525" cap="flat" cmpd="sng">
-            <a:solidFill>
-              <a:srgbClr val="000000"/>
-            </a:solidFill>
-            <a:prstDash val="solid"/>
-            <a:round/>
-            <a:headEnd type="none" w="med" len="med"/>
-            <a:tailEnd type="none" w="med" len="med"/>
-          </a:ln>
-        </p:spPr>
-      </p:sp>
-      <p:sp>
-        <p:nvSpPr>
           <p:cNvPr id="36" name="Shape 36"/>
           <p:cNvSpPr txBox="1">
             <a:spLocks noGrp="1"/>
@@ -5014,31 +5065,46 @@
           <a:bodyPr/>
           <a:lstStyle/>
           <a:p>
-            <a:pPr marL="0" marR="0" lvl="0" indent="0" algn="l" defTabSz="914400" rtl="0" eaLnBrk="1" fontAlgn="base" latinLnBrk="0" hangingPunct="1">
-              <a:lnSpc>
-                <a:spcPct val="100000"/>
-              </a:lnSpc>
-              <a:spcBef>
-                <a:spcPct val="30000"/>
-              </a:spcBef>
-              <a:spcAft>
-                <a:spcPct val="0"/>
-              </a:spcAft>
-              <a:buClrTx/>
-              <a:buSzTx/>
-              <a:buFontTx/>
-              <a:buNone/>
-              <a:tabLst/>
-              <a:defRPr/>
-            </a:pPr>
-            <a:r>
-              <a:rPr lang="en-US" sz="1200" dirty="0">
-                <a:solidFill>
-                  <a:schemeClr val="dk1"/>
-                </a:solidFill>
-              </a:rPr>
-              <a:t>Many websites allow users to input data and then display or echo the data back, that is, include the user-input data in the html page to the user’s browser. Such web sites include social networking sites,  blogs, etc.</a:t>
-            </a:r>
+            <a:endParaRPr lang="en-SE" dirty="0" smtClean="0"/>
+          </a:p>
+          <a:p>
+            <a:r>
+              <a:rPr lang="en-US" dirty="0" smtClean="0"/>
+              <a:t>If a website allows users to input content without controls, </a:t>
+            </a:r>
+            <a:r>
+              <a:rPr lang="en-SE" dirty="0" smtClean="0"/>
+              <a:t>,e.g., s</a:t>
+            </a:r>
+            <a:r>
+              <a:rPr lang="en-US" dirty="0" err="1" smtClean="0"/>
+              <a:t>ocial</a:t>
+            </a:r>
+            <a:r>
+              <a:rPr lang="en-US" dirty="0" smtClean="0"/>
+              <a:t> networking sites, blogs, forums, then attackers can insert malicious code as well.</a:t>
+            </a:r>
+            <a:endParaRPr lang="en-SE" dirty="0" smtClean="0"/>
+          </a:p>
+          <a:p>
+            <a:r>
+              <a:rPr lang="en-GB" dirty="0" smtClean="0"/>
+              <a:t>malicious scripts are injected into otherwise benign and trusted websites. </a:t>
+            </a:r>
+            <a:endParaRPr lang="en-US" dirty="0" smtClean="0"/>
+          </a:p>
+          <a:p>
+            <a:endParaRPr lang="en-US" dirty="0" smtClean="0"/>
+          </a:p>
+          <a:p>
+            <a:pPr lvl="1"/>
+            <a:endParaRPr lang="en-US" dirty="0" smtClean="0"/>
+          </a:p>
+          <a:p>
+            <a:endParaRPr lang="en-US" dirty="0" smtClean="0"/>
+          </a:p>
+          <a:p>
+            <a:endParaRPr lang="en-SE" dirty="0" smtClean="0"/>
           </a:p>
           <a:p>
             <a:endParaRPr lang="en-SE" dirty="0"/>
@@ -6982,6 +7048,13 @@
   <p:clrMapOvr>
     <a:masterClrMapping/>
   </p:clrMapOvr>
+  <p:timing>
+    <p:tnLst>
+      <p:par>
+        <p:cTn id="1" dur="indefinite" restart="never" nodeType="tmRoot"/>
+      </p:par>
+    </p:tnLst>
+  </p:timing>
 </p:sld>
 </file>
 
@@ -7054,42 +7127,38 @@
           </a:bodyPr>
           <a:lstStyle/>
           <a:p>
-            <a:r>
-              <a:rPr lang="en-US" dirty="0"/>
-              <a:t>Suppose a website echoes user-supplied data, e.g., his name, back to user on the html page.</a:t>
-            </a:r>
-          </a:p>
-          <a:p>
-            <a:r>
-              <a:rPr lang="en-US" dirty="0"/>
-              <a:t>Suppose the browser sends to the site &lt;script type=”text/</a:t>
-            </a:r>
-            <a:r>
-              <a:rPr lang="en-US" dirty="0" err="1"/>
-              <a:t>javascript</a:t>
-            </a:r>
-            <a:r>
-              <a:rPr lang="en-US" dirty="0"/>
-              <a:t>”&gt;alert(“Hello World”);</a:t>
-            </a:r>
-            <a:br>
-              <a:rPr lang="en-US" dirty="0"/>
-            </a:br>
-            <a:r>
-              <a:rPr lang="en-US" dirty="0"/>
-              <a:t>&lt;/script&gt; as his “name”</a:t>
-            </a:r>
-          </a:p>
-          <a:p>
-            <a:r>
-              <a:rPr lang="en-US" dirty="0"/>
-              <a:t>The script will be included in the html page sent to the user’s browser; and when the script runs, the alert “Hello World” will be displayed</a:t>
-            </a:r>
-          </a:p>
-          <a:p>
-            <a:r>
-              <a:rPr lang="en-US" dirty="0"/>
-              <a:t>What if the script is malicious, and the browser had sent it without the user knowing about it? Then </a:t>
+            <a:pPr lvl="0"/>
+            <a:r>
+              <a:rPr lang="en-SE" dirty="0" smtClean="0">
+                <a:solidFill>
+                  <a:schemeClr val="dk1"/>
+                </a:solidFill>
+              </a:rPr>
+              <a:t>Supposr a </a:t>
+            </a:r>
+            <a:r>
+              <a:rPr lang="en-US" dirty="0" smtClean="0">
+                <a:solidFill>
+                  <a:schemeClr val="dk1"/>
+                </a:solidFill>
+              </a:rPr>
+              <a:t>website allow</a:t>
+            </a:r>
+            <a:r>
+              <a:rPr lang="en-SE" dirty="0" smtClean="0">
+                <a:solidFill>
+                  <a:schemeClr val="dk1"/>
+                </a:solidFill>
+              </a:rPr>
+              <a:t>s</a:t>
+            </a:r>
+            <a:r>
+              <a:rPr lang="en-US" dirty="0" smtClean="0">
+                <a:solidFill>
+                  <a:schemeClr val="dk1"/>
+                </a:solidFill>
+              </a:rPr>
+              <a:t> </a:t>
             </a:r>
             <a:r>
               <a:rPr lang="en-US" dirty="0">
@@ -7097,7 +7166,125 @@
                   <a:schemeClr val="dk1"/>
                 </a:solidFill>
               </a:rPr>
-              <a:t>The browser would execute the malicious script.</a:t>
+              <a:t>users to input data and then </a:t>
+            </a:r>
+            <a:r>
+              <a:rPr lang="en-US" dirty="0" smtClean="0">
+                <a:solidFill>
+                  <a:schemeClr val="dk1"/>
+                </a:solidFill>
+              </a:rPr>
+              <a:t>echo</a:t>
+            </a:r>
+            <a:r>
+              <a:rPr lang="en-SE" dirty="0" smtClean="0">
+                <a:solidFill>
+                  <a:schemeClr val="dk1"/>
+                </a:solidFill>
+              </a:rPr>
+              <a:t>s</a:t>
+            </a:r>
+            <a:r>
+              <a:rPr lang="en-US" dirty="0" smtClean="0">
+                <a:solidFill>
+                  <a:schemeClr val="dk1"/>
+                </a:solidFill>
+              </a:rPr>
+              <a:t> </a:t>
+            </a:r>
+            <a:r>
+              <a:rPr lang="en-US" dirty="0">
+                <a:solidFill>
+                  <a:schemeClr val="dk1"/>
+                </a:solidFill>
+              </a:rPr>
+              <a:t>the data back, that is, include the user-input data in the html page to the user’s browser. Such </a:t>
+            </a:r>
+            <a:r>
+              <a:rPr lang="en-US" dirty="0" smtClean="0">
+                <a:solidFill>
+                  <a:schemeClr val="dk1"/>
+                </a:solidFill>
+              </a:rPr>
+              <a:t>websites </a:t>
+            </a:r>
+            <a:r>
+              <a:rPr lang="en-US" dirty="0">
+                <a:solidFill>
+                  <a:schemeClr val="dk1"/>
+                </a:solidFill>
+              </a:rPr>
+              <a:t>include social networking sites,  blogs, etc</a:t>
+            </a:r>
+            <a:r>
+              <a:rPr lang="en-US" dirty="0" smtClean="0">
+                <a:solidFill>
+                  <a:schemeClr val="dk1"/>
+                </a:solidFill>
+              </a:rPr>
+              <a:t>.</a:t>
+            </a:r>
+            <a:endParaRPr lang="en-SE" dirty="0" smtClean="0"/>
+          </a:p>
+          <a:p>
+            <a:r>
+              <a:rPr lang="en-US" dirty="0" smtClean="0"/>
+              <a:t>Suppose </a:t>
+            </a:r>
+            <a:r>
+              <a:rPr lang="en-US" dirty="0"/>
+              <a:t>the browser sends to the site &lt;script type=”text/</a:t>
+            </a:r>
+            <a:r>
+              <a:rPr lang="en-US" dirty="0" err="1"/>
+              <a:t>javascript</a:t>
+            </a:r>
+            <a:r>
+              <a:rPr lang="en-US" dirty="0"/>
+              <a:t>”&gt;alert(“Hello World”);</a:t>
+            </a:r>
+            <a:br>
+              <a:rPr lang="en-US" dirty="0"/>
+            </a:br>
+            <a:r>
+              <a:rPr lang="en-US" dirty="0"/>
+              <a:t>&lt;/script&gt; as his “name”</a:t>
+            </a:r>
+          </a:p>
+          <a:p>
+            <a:r>
+              <a:rPr lang="en-US" dirty="0"/>
+              <a:t>The script will be included in the html page sent to the user’s browser; and when the script runs, the alert “Hello World” will be displayed</a:t>
+            </a:r>
+          </a:p>
+          <a:p>
+            <a:r>
+              <a:rPr lang="en-US" dirty="0"/>
+              <a:t>What if the script is malicious, and the browser had sent it without the user knowing about it? Then </a:t>
+            </a:r>
+            <a:r>
+              <a:rPr lang="en-SE" dirty="0">
+                <a:solidFill>
+                  <a:schemeClr val="dk1"/>
+                </a:solidFill>
+              </a:rPr>
+              <a:t>t</a:t>
+            </a:r>
+            <a:r>
+              <a:rPr lang="en-US" dirty="0" smtClean="0">
+                <a:solidFill>
+                  <a:schemeClr val="dk1"/>
+                </a:solidFill>
+              </a:rPr>
+              <a:t>he </a:t>
+            </a:r>
+            <a:r>
+              <a:rPr lang="en-US" dirty="0">
+                <a:solidFill>
+                  <a:schemeClr val="dk1"/>
+                </a:solidFill>
+              </a:rPr>
+              <a:t>browser would execute the malicious script.</a:t>
             </a:r>
           </a:p>
         </p:txBody>
@@ -7147,6 +7334,13 @@
   <p:clrMapOvr>
     <a:masterClrMapping/>
   </p:clrMapOvr>
+  <p:timing>
+    <p:tnLst>
+      <p:par>
+        <p:cTn id="1" dur="indefinite" restart="never" nodeType="tmRoot"/>
+      </p:par>
+    </p:tnLst>
+  </p:timing>
 </p:sld>
 </file>
 
@@ -7262,6 +7456,13 @@
   <p:transition spd="slow">
     <p:cut/>
   </p:transition>
+  <p:timing>
+    <p:tnLst>
+      <p:par>
+        <p:cTn id="1" dur="indefinite" restart="never" nodeType="tmRoot"/>
+      </p:par>
+    </p:tnLst>
+  </p:timing>
 </p:sld>
 </file>
 
@@ -7336,7 +7537,23 @@
           <a:p>
             <a:r>
               <a:rPr lang="en-US" dirty="0"/>
-              <a:t>The user has logged into a vulnerable site naive.com and his browser now stores a cookie from naïve.com.</a:t>
+              <a:t>The user has logged into a </a:t>
+            </a:r>
+            <a:r>
+              <a:rPr lang="en-US" dirty="0" smtClean="0"/>
+              <a:t>vulnerable</a:t>
+            </a:r>
+            <a:r>
+              <a:rPr lang="en-SE" dirty="0" smtClean="0"/>
+              <a:t>, trusted</a:t>
+            </a:r>
+            <a:r>
+              <a:rPr lang="en-US" dirty="0" smtClean="0"/>
+              <a:t> </a:t>
+            </a:r>
+            <a:r>
+              <a:rPr lang="en-US" dirty="0"/>
+              <a:t>site naive.com and his browser now stores a cookie from naïve.com.</a:t>
             </a:r>
           </a:p>
           <a:p>
@@ -7372,14 +7589,115 @@
           <a:p>
             <a:r>
               <a:rPr lang="en-US" dirty="0"/>
-              <a:t>The user’s browser displays the html page and executes the malicious script, which steals the cookie to naïve.com, and sends it to an attacker.</a:t>
-            </a:r>
-          </a:p>
-          <a:p>
+              <a:t>The user’s browser displays the html page and executes the malicious </a:t>
+            </a:r>
+            <a:r>
+              <a:rPr lang="en-US" dirty="0" smtClean="0"/>
+              <a:t>script</a:t>
+            </a:r>
+            <a:r>
+              <a:rPr lang="en-SE" dirty="0" smtClean="0"/>
+              <a:t> since it </a:t>
+            </a:r>
+            <a:r>
+              <a:rPr lang="en-GB" kern="1200" dirty="0" smtClean="0">
+                <a:latin typeface="Arial" pitchFamily="-107" charset="0"/>
+              </a:rPr>
+              <a:t>came </a:t>
+            </a:r>
+            <a:r>
+              <a:rPr lang="en-GB" kern="1200" dirty="0">
+                <a:latin typeface="Arial" pitchFamily="-107" charset="0"/>
+              </a:rPr>
+              <a:t>from a </a:t>
+            </a:r>
+            <a:r>
+              <a:rPr lang="en-GB" kern="1200" dirty="0" smtClean="0">
+                <a:latin typeface="Arial" pitchFamily="-107" charset="0"/>
+              </a:rPr>
+              <a:t>trusted </a:t>
+            </a:r>
+            <a:r>
+              <a:rPr lang="en-SE" kern="1200" dirty="0" smtClean="0">
+                <a:latin typeface="Arial" pitchFamily="-107" charset="0"/>
+              </a:rPr>
+              <a:t>site</a:t>
+            </a:r>
             <a:r>
               <a:rPr lang="en-US" dirty="0"/>
-              <a:t>So what if evil.com gets the cookie for naive.com? Cookies can include session authenticators for naive.com, that is, the attacker can now impersonate the user.</a:t>
-            </a:r>
+              <a:t> </a:t>
+            </a:r>
+            <a:r>
+              <a:rPr lang="en-US" dirty="0" smtClean="0"/>
+              <a:t>naive.com</a:t>
+            </a:r>
+            <a:r>
+              <a:rPr lang="en-SE" dirty="0" smtClean="0"/>
+              <a:t>,</a:t>
+            </a:r>
+            <a:r>
+              <a:rPr lang="en-US" dirty="0" smtClean="0"/>
+              <a:t> </a:t>
+            </a:r>
+            <a:r>
+              <a:rPr lang="en-US" dirty="0"/>
+              <a:t>which </a:t>
+            </a:r>
+            <a:r>
+              <a:rPr lang="en-SE" dirty="0" smtClean="0"/>
+              <a:t>may </a:t>
+            </a:r>
+            <a:r>
+              <a:rPr lang="en-US" dirty="0" smtClean="0"/>
+              <a:t>steal </a:t>
+            </a:r>
+            <a:r>
+              <a:rPr lang="en-US" dirty="0"/>
+              <a:t>the cookie to </a:t>
+            </a:r>
+            <a:r>
+              <a:rPr lang="en-SE" dirty="0" smtClean="0"/>
+              <a:t>nai</a:t>
+            </a:r>
+            <a:r>
+              <a:rPr lang="en-US" dirty="0" smtClean="0"/>
+              <a:t>ve.com </a:t>
+            </a:r>
+            <a:r>
+              <a:rPr lang="en-US" dirty="0"/>
+              <a:t>and </a:t>
+            </a:r>
+            <a:r>
+              <a:rPr lang="en-US" dirty="0" smtClean="0"/>
+              <a:t>send </a:t>
+            </a:r>
+            <a:r>
+              <a:rPr lang="en-US" dirty="0"/>
+              <a:t>it to </a:t>
+            </a:r>
+            <a:r>
+              <a:rPr lang="en-SE" dirty="0" smtClean="0"/>
+              <a:t>the</a:t>
+            </a:r>
+            <a:r>
+              <a:rPr lang="en-US" dirty="0" smtClean="0"/>
+              <a:t> </a:t>
+            </a:r>
+            <a:r>
+              <a:rPr lang="en-US" dirty="0"/>
+              <a:t>attacker.</a:t>
+            </a:r>
+          </a:p>
+          <a:p>
+            <a:r>
+              <a:rPr lang="en-US" dirty="0"/>
+              <a:t>So what if evil.com gets the cookie for naive.com? Cookies can include session authenticators for naive.com, that is, the attacker can now impersonate the </a:t>
+            </a:r>
+            <a:r>
+              <a:rPr lang="en-US" dirty="0" smtClean="0"/>
+              <a:t>user.</a:t>
+            </a:r>
+            <a:endParaRPr lang="en-US" dirty="0"/>
           </a:p>
           <a:p>
             <a:endParaRPr lang="en-SE" dirty="0"/>
@@ -7431,6 +7749,13 @@
   <p:clrMapOvr>
     <a:masterClrMapping/>
   </p:clrMapOvr>
+  <p:timing>
+    <p:tnLst>
+      <p:par>
+        <p:cTn id="1" dur="indefinite" restart="never" nodeType="tmRoot"/>
+      </p:par>
+    </p:tnLst>
+  </p:timing>
 </p:sld>
 </file>
 
@@ -7523,7 +7848,19 @@
             </a:pPr>
             <a:r>
               <a:rPr lang="en-US" dirty="0"/>
-              <a:t>To prevent XSS, any user input must be checked and preprocessed before it is used inside html (e.g., ensure that it is not a script)</a:t>
+              <a:t>To prevent XSS, any user input must be checked and preprocessed before it is used inside html (e.g., ensure that it is </a:t>
+            </a:r>
+            <a:r>
+              <a:rPr lang="en-SE" dirty="0" smtClean="0"/>
+              <a:t>data, </a:t>
+            </a:r>
+            <a:r>
+              <a:rPr lang="en-US" dirty="0" smtClean="0"/>
+              <a:t>not </a:t>
+            </a:r>
+            <a:r>
+              <a:rPr lang="en-US" dirty="0"/>
+              <a:t>a script)</a:t>
             </a:r>
           </a:p>
           <a:p>
@@ -7585,6 +7922,13 @@
   <p:clrMapOvr>
     <a:masterClrMapping/>
   </p:clrMapOvr>
+  <p:timing>
+    <p:tnLst>
+      <p:par>
+        <p:cTn id="1" dur="indefinite" restart="never" nodeType="tmRoot"/>
+      </p:par>
+    </p:tnLst>
+  </p:timing>
 </p:sld>
 </file>
 
@@ -7745,6 +8089,13 @@
   <p:transition spd="slow">
     <p:cut/>
   </p:transition>
+  <p:timing>
+    <p:tnLst>
+      <p:par>
+        <p:cTn id="1" dur="indefinite" restart="never" nodeType="tmRoot"/>
+      </p:par>
+    </p:tnLst>
+  </p:timing>
 </p:sld>
 </file>
 
@@ -7914,6 +8265,13 @@
   <p:transition spd="slow">
     <p:cut/>
   </p:transition>
+  <p:timing>
+    <p:tnLst>
+      <p:par>
+        <p:cTn id="1" dur="indefinite" restart="never" nodeType="tmRoot"/>
+      </p:par>
+    </p:tnLst>
+  </p:timing>
 </p:sld>
 </file>
 
@@ -7981,8 +8339,8 @@
         </p:nvSpPr>
         <p:spPr>
           <a:xfrm>
-            <a:off x="323528" y="1196753"/>
-            <a:ext cx="8568952" cy="2686605"/>
+            <a:off x="323528" y="908720"/>
+            <a:ext cx="8568952" cy="3096343"/>
           </a:xfrm>
         </p:spPr>
         <p:txBody>
@@ -8128,7 +8486,7 @@
         </p:blipFill>
         <p:spPr>
           <a:xfrm>
-            <a:off x="1245431" y="3883358"/>
+            <a:off x="1347862" y="3761120"/>
             <a:ext cx="6653138" cy="2904563"/>
           </a:xfrm>
           <a:prstGeom prst="rect">
@@ -8150,6 +8508,13 @@
   <p:clrMapOvr>
     <a:masterClrMapping/>
   </p:clrMapOvr>
+  <p:timing>
+    <p:tnLst>
+      <p:par>
+        <p:cTn id="1" dur="indefinite" restart="never" nodeType="tmRoot"/>
+      </p:par>
+    </p:tnLst>
+  </p:timing>
 </p:sld>
 </file>
 
@@ -8243,8 +8608,20 @@
           </a:p>
           <a:p>
             <a:r>
+              <a:rPr lang="en-US" dirty="0" smtClean="0"/>
+              <a:t>Log</a:t>
+            </a:r>
+            <a:r>
+              <a:rPr lang="en-SE" dirty="0" smtClean="0"/>
+              <a:t> </a:t>
+            </a:r>
+            <a:r>
+              <a:rPr lang="en-US" dirty="0" smtClean="0"/>
+              <a:t>off </a:t>
+            </a:r>
+            <a:r>
               <a:rPr lang="en-US" dirty="0"/>
-              <a:t>Logoff immediately after using a web application.</a:t>
+              <a:t>immediately after using a web application.</a:t>
             </a:r>
           </a:p>
           <a:p>
@@ -8306,6 +8683,13 @@
   <p:clrMapOvr>
     <a:masterClrMapping/>
   </p:clrMapOvr>
+  <p:timing>
+    <p:tnLst>
+      <p:par>
+        <p:cTn id="1" dur="indefinite" restart="never" nodeType="tmRoot"/>
+      </p:par>
+    </p:tnLst>
+  </p:timing>
 </p:sld>
 </file>
 
@@ -8403,25 +8787,73 @@
                   <a:schemeClr val="dk1"/>
                 </a:solidFill>
               </a:rPr>
-              <a:t>XSS (Cross-Site scripting) doesn't need an authenticated session and can be exploited when the vulnerable website doesn't do the basics of validating or escaping input.</a:t>
-            </a:r>
-          </a:p>
-          <a:p>
-            <a:pPr marL="257175" indent="-142875">
-              <a:spcBef>
-                <a:spcPts val="0"/>
-              </a:spcBef>
-              <a:buClr>
-                <a:schemeClr val="dk1"/>
-              </a:buClr>
-            </a:pPr>
+              <a:t>XSS (Cross-Site </a:t>
+            </a:r>
+            <a:r>
+              <a:rPr lang="en-SE" sz="2800" dirty="0" smtClean="0">
+                <a:solidFill>
+                  <a:schemeClr val="dk1"/>
+                </a:solidFill>
+              </a:rPr>
+              <a:t>S</a:t>
+            </a:r>
+            <a:r>
+              <a:rPr lang="en-US" sz="2800" dirty="0" err="1" smtClean="0">
+                <a:solidFill>
+                  <a:schemeClr val="dk1"/>
+                </a:solidFill>
+              </a:rPr>
+              <a:t>cripting</a:t>
+            </a:r>
             <a:r>
               <a:rPr lang="en-US" sz="2800" dirty="0">
                 <a:solidFill>
                   <a:schemeClr val="dk1"/>
                 </a:solidFill>
               </a:rPr>
-              <a:t>CSRF (Cross-site Request forgery) happens in authenticated sessions when the server trusts the user/browser</a:t>
+              <a:t>) doesn't need an authenticated session and can be exploited when the vulnerable website doesn't do the basics of validating or escaping input.</a:t>
+            </a:r>
+          </a:p>
+          <a:p>
+            <a:pPr marL="257175" indent="-142875">
+              <a:spcBef>
+                <a:spcPts val="0"/>
+              </a:spcBef>
+              <a:buClr>
+                <a:schemeClr val="dk1"/>
+              </a:buClr>
+            </a:pPr>
+            <a:r>
+              <a:rPr lang="en-US" sz="2800" dirty="0">
+                <a:solidFill>
+                  <a:schemeClr val="dk1"/>
+                </a:solidFill>
+              </a:rPr>
+              <a:t>CSRF (Cross-site Request </a:t>
+            </a:r>
+            <a:r>
+              <a:rPr lang="en-SE" sz="2800" dirty="0" smtClean="0">
+                <a:solidFill>
+                  <a:schemeClr val="dk1"/>
+                </a:solidFill>
+              </a:rPr>
+              <a:t>F</a:t>
+            </a:r>
+            <a:r>
+              <a:rPr lang="en-US" sz="2800" dirty="0" err="1" smtClean="0">
+                <a:solidFill>
+                  <a:schemeClr val="dk1"/>
+                </a:solidFill>
+              </a:rPr>
+              <a:t>orgery</a:t>
+            </a:r>
+            <a:r>
+              <a:rPr lang="en-US" sz="2800" dirty="0">
+                <a:solidFill>
+                  <a:schemeClr val="dk1"/>
+                </a:solidFill>
+              </a:rPr>
+              <a:t>) happens in authenticated sessions when the server trusts the user/browser</a:t>
             </a:r>
           </a:p>
           <a:p>
@@ -8448,6 +8880,13 @@
   <p:transition spd="slow">
     <p:cut/>
   </p:transition>
+  <p:timing>
+    <p:tnLst>
+      <p:par>
+        <p:cTn id="1" dur="indefinite" restart="never" nodeType="tmRoot"/>
+      </p:par>
+    </p:tnLst>
+  </p:timing>
 </p:sld>
 </file>
 
@@ -8736,6 +9175,13 @@
   <p:transition spd="slow">
     <p:cut/>
   </p:transition>
+  <p:timing>
+    <p:tnLst>
+      <p:par>
+        <p:cTn id="1" dur="indefinite" restart="never" nodeType="tmRoot"/>
+      </p:par>
+    </p:tnLst>
+  </p:timing>
 </p:sld>
 </file>
 
@@ -8885,6 +9331,13 @@
   <p:clrMapOvr>
     <a:masterClrMapping/>
   </p:clrMapOvr>
+  <p:timing>
+    <p:tnLst>
+      <p:par>
+        <p:cTn id="1" dur="indefinite" restart="never" nodeType="tmRoot"/>
+      </p:par>
+    </p:tnLst>
+  </p:timing>
 </p:sld>
 </file>
 
@@ -9177,34 +9630,6 @@
           </a:p>
         </p:txBody>
       </p:sp>
-      <p:pic>
-        <p:nvPicPr>
-          <p:cNvPr id="179" name="Shape 179"/>
-          <p:cNvPicPr preferRelativeResize="0"/>
-          <p:nvPr/>
-        </p:nvPicPr>
-        <p:blipFill>
-          <a:blip r:embed="rId3">
-            <a:alphaModFix/>
-          </a:blip>
-          <a:stretch>
-            <a:fillRect/>
-          </a:stretch>
-        </p:blipFill>
-        <p:spPr>
-          <a:xfrm>
-            <a:off x="6319658" y="971550"/>
-            <a:ext cx="2635004" cy="1720819"/>
-          </a:xfrm>
-          <a:prstGeom prst="rect">
-            <a:avLst/>
-          </a:prstGeom>
-          <a:noFill/>
-          <a:ln>
-            <a:noFill/>
-          </a:ln>
-        </p:spPr>
-      </p:pic>
     </p:spTree>
   </p:cSld>
   <p:clrMapOvr>
@@ -9213,6 +9638,13 @@
   <p:transition spd="slow">
     <p:cut/>
   </p:transition>
+  <p:timing>
+    <p:tnLst>
+      <p:par>
+        <p:cTn id="1" dur="indefinite" restart="never" nodeType="tmRoot"/>
+      </p:par>
+    </p:tnLst>
+  </p:timing>
 </p:sld>
 </file>
 
@@ -9312,8 +9744,36 @@
         </p:blipFill>
         <p:spPr>
           <a:xfrm>
-            <a:off x="2225269" y="1885950"/>
+            <a:off x="2261282" y="1556792"/>
             <a:ext cx="4693444" cy="3443288"/>
+          </a:xfrm>
+          <a:prstGeom prst="rect">
+            <a:avLst/>
+          </a:prstGeom>
+          <a:noFill/>
+          <a:ln>
+            <a:noFill/>
+          </a:ln>
+        </p:spPr>
+      </p:pic>
+      <p:pic>
+        <p:nvPicPr>
+          <p:cNvPr id="5" name="Shape 193"/>
+          <p:cNvPicPr preferRelativeResize="0"/>
+          <p:nvPr/>
+        </p:nvPicPr>
+        <p:blipFill>
+          <a:blip r:embed="rId4">
+            <a:alphaModFix/>
+          </a:blip>
+          <a:stretch>
+            <a:fillRect/>
+          </a:stretch>
+        </p:blipFill>
+        <p:spPr>
+          <a:xfrm>
+            <a:off x="83359" y="4147733"/>
+            <a:ext cx="9049290" cy="2502437"/>
           </a:xfrm>
           <a:prstGeom prst="rect">
             <a:avLst/>
@@ -9332,6 +9792,13 @@
   <p:transition spd="slow">
     <p:cut/>
   </p:transition>
+  <p:timing>
+    <p:tnLst>
+      <p:par>
+        <p:cTn id="1" dur="indefinite" restart="never" nodeType="tmRoot"/>
+      </p:par>
+    </p:tnLst>
+  </p:timing>
 </p:sld>
 </file>
 
@@ -9340,7 +9807,7 @@
   <p:cSld>
     <p:spTree>
       <p:nvGrpSpPr>
-        <p:cNvPr id="1" name="Shape 191"/>
+        <p:cNvPr id="1" name="Shape 198"/>
         <p:cNvGrpSpPr/>
         <p:nvPr/>
       </p:nvGrpSpPr>
@@ -9354,7 +9821,7 @@
       </p:grpSpPr>
       <p:sp>
         <p:nvSpPr>
-          <p:cNvPr id="192" name="Shape 192"/>
+          <p:cNvPr id="199" name="Shape 199"/>
           <p:cNvSpPr txBox="1">
             <a:spLocks noGrp="1"/>
           </p:cNvSpPr>
@@ -9380,13 +9847,14 @@
               <a:buNone/>
             </a:pPr>
             <a:r>
-              <a:rPr lang="en-US">
-                <a:solidFill>
-                  <a:srgbClr val="9B37AA"/>
-                </a:solidFill>
-              </a:rPr>
-              <a:t>Normal Login</a:t>
-            </a:r>
+              <a:rPr lang="en-US" dirty="0"/>
+              <a:t>Example SQL Injection Attack</a:t>
+            </a:r>
+            <a:endParaRPr lang="en-US" dirty="0">
+              <a:solidFill>
+                <a:srgbClr val="9B37AA"/>
+              </a:solidFill>
+            </a:endParaRPr>
           </a:p>
         </p:txBody>
       </p:sp>
@@ -9395,7 +9863,7 @@
           <p:cNvPr id="2" name="Content Placeholder 1">
             <a:extLst>
               <a:ext uri="{FF2B5EF4-FFF2-40B4-BE49-F238E27FC236}">
-                <a16:creationId xmlns:a16="http://schemas.microsoft.com/office/drawing/2014/main" id="{B0A068A7-FD19-461B-89F4-843DA9321DB9}"/>
+                <a16:creationId xmlns:a16="http://schemas.microsoft.com/office/drawing/2014/main" id="{FF860A28-0D85-4FD1-87EF-B951E275E9BE}"/>
               </a:ext>
             </a:extLst>
           </p:cNvPr>
@@ -9411,13 +9879,13 @@
           <a:bodyPr/>
           <a:lstStyle/>
           <a:p>
-            <a:endParaRPr lang="en-SE"/>
+            <a:endParaRPr lang="en-SE" dirty="0"/>
           </a:p>
         </p:txBody>
       </p:sp>
       <p:pic>
         <p:nvPicPr>
-          <p:cNvPr id="193" name="Shape 193"/>
+          <p:cNvPr id="200" name="Shape 200"/>
           <p:cNvPicPr preferRelativeResize="0"/>
           <p:nvPr/>
         </p:nvPicPr>
@@ -9431,8 +9899,36 @@
         </p:blipFill>
         <p:spPr>
           <a:xfrm>
-            <a:off x="445679" y="2287932"/>
-            <a:ext cx="8252643" cy="2282137"/>
+            <a:off x="2261282" y="1196753"/>
+            <a:ext cx="4693444" cy="3443288"/>
+          </a:xfrm>
+          <a:prstGeom prst="rect">
+            <a:avLst/>
+          </a:prstGeom>
+          <a:noFill/>
+          <a:ln>
+            <a:noFill/>
+          </a:ln>
+        </p:spPr>
+      </p:pic>
+      <p:pic>
+        <p:nvPicPr>
+          <p:cNvPr id="5" name="Shape 207"/>
+          <p:cNvPicPr preferRelativeResize="0"/>
+          <p:nvPr/>
+        </p:nvPicPr>
+        <p:blipFill>
+          <a:blip r:embed="rId4">
+            <a:alphaModFix/>
+          </a:blip>
+          <a:stretch>
+            <a:fillRect/>
+          </a:stretch>
+        </p:blipFill>
+        <p:spPr>
+          <a:xfrm>
+            <a:off x="265683" y="2996952"/>
+            <a:ext cx="8615957" cy="3716529"/>
           </a:xfrm>
           <a:prstGeom prst="rect">
             <a:avLst/>
@@ -9451,248 +9947,17 @@
   <p:transition spd="slow">
     <p:cut/>
   </p:transition>
+  <p:timing>
+    <p:tnLst>
+      <p:par>
+        <p:cTn id="1" dur="indefinite" restart="never" nodeType="tmRoot"/>
+      </p:par>
+    </p:tnLst>
+  </p:timing>
 </p:sld>
 </file>
 
 <file path=ppt/slides/slide23.xml><?xml version="1.0" encoding="utf-8"?>
-<p:sld xmlns:a="http://schemas.openxmlformats.org/drawingml/2006/main" xmlns:r="http://schemas.openxmlformats.org/officeDocument/2006/relationships" xmlns:p="http://schemas.openxmlformats.org/presentationml/2006/main">
-  <p:cSld>
-    <p:spTree>
-      <p:nvGrpSpPr>
-        <p:cNvPr id="1" name="Shape 198"/>
-        <p:cNvGrpSpPr/>
-        <p:nvPr/>
-      </p:nvGrpSpPr>
-      <p:grpSpPr>
-        <a:xfrm>
-          <a:off x="0" y="0"/>
-          <a:ext cx="0" cy="0"/>
-          <a:chOff x="0" y="0"/>
-          <a:chExt cx="0" cy="0"/>
-        </a:xfrm>
-      </p:grpSpPr>
-      <p:sp>
-        <p:nvSpPr>
-          <p:cNvPr id="199" name="Shape 199"/>
-          <p:cNvSpPr txBox="1">
-            <a:spLocks noGrp="1"/>
-          </p:cNvSpPr>
-          <p:nvPr>
-            <p:ph type="title"/>
-          </p:nvPr>
-        </p:nvSpPr>
-        <p:spPr>
-          <a:prstGeom prst="rect">
-            <a:avLst/>
-          </a:prstGeom>
-        </p:spPr>
-        <p:txBody>
-          <a:bodyPr vert="horz" wrap="square" lIns="88369" tIns="88369" rIns="88369" bIns="88369" numCol="1" anchor="ctr" anchorCtr="0" compatLnSpc="1">
-            <a:prstTxWarp prst="textNoShape">
-              <a:avLst/>
-            </a:prstTxWarp>
-            <a:noAutofit/>
-          </a:bodyPr>
-          <a:lstStyle/>
-          <a:p>
-            <a:pPr>
-              <a:buNone/>
-            </a:pPr>
-            <a:r>
-              <a:rPr lang="en-US">
-                <a:solidFill>
-                  <a:srgbClr val="9B37AA"/>
-                </a:solidFill>
-              </a:rPr>
-              <a:t>Malicious User Input</a:t>
-            </a:r>
-          </a:p>
-        </p:txBody>
-      </p:sp>
-      <p:sp>
-        <p:nvSpPr>
-          <p:cNvPr id="2" name="Content Placeholder 1">
-            <a:extLst>
-              <a:ext uri="{FF2B5EF4-FFF2-40B4-BE49-F238E27FC236}">
-                <a16:creationId xmlns:a16="http://schemas.microsoft.com/office/drawing/2014/main" id="{FF860A28-0D85-4FD1-87EF-B951E275E9BE}"/>
-              </a:ext>
-            </a:extLst>
-          </p:cNvPr>
-          <p:cNvSpPr>
-            <a:spLocks noGrp="1"/>
-          </p:cNvSpPr>
-          <p:nvPr>
-            <p:ph idx="1"/>
-          </p:nvPr>
-        </p:nvSpPr>
-        <p:spPr/>
-        <p:txBody>
-          <a:bodyPr/>
-          <a:lstStyle/>
-          <a:p>
-            <a:endParaRPr lang="en-SE"/>
-          </a:p>
-        </p:txBody>
-      </p:sp>
-      <p:pic>
-        <p:nvPicPr>
-          <p:cNvPr id="200" name="Shape 200"/>
-          <p:cNvPicPr preferRelativeResize="0"/>
-          <p:nvPr/>
-        </p:nvPicPr>
-        <p:blipFill>
-          <a:blip r:embed="rId3">
-            <a:alphaModFix/>
-          </a:blip>
-          <a:stretch>
-            <a:fillRect/>
-          </a:stretch>
-        </p:blipFill>
-        <p:spPr>
-          <a:xfrm>
-            <a:off x="2035828" y="1885950"/>
-            <a:ext cx="4693444" cy="3443288"/>
-          </a:xfrm>
-          <a:prstGeom prst="rect">
-            <a:avLst/>
-          </a:prstGeom>
-          <a:noFill/>
-          <a:ln>
-            <a:noFill/>
-          </a:ln>
-        </p:spPr>
-      </p:pic>
-    </p:spTree>
-  </p:cSld>
-  <p:clrMapOvr>
-    <a:masterClrMapping/>
-  </p:clrMapOvr>
-  <p:transition spd="slow">
-    <p:cut/>
-  </p:transition>
-</p:sld>
-</file>
-
-<file path=ppt/slides/slide24.xml><?xml version="1.0" encoding="utf-8"?>
-<p:sld xmlns:a="http://schemas.openxmlformats.org/drawingml/2006/main" xmlns:r="http://schemas.openxmlformats.org/officeDocument/2006/relationships" xmlns:p="http://schemas.openxmlformats.org/presentationml/2006/main">
-  <p:cSld>
-    <p:spTree>
-      <p:nvGrpSpPr>
-        <p:cNvPr id="1" name="Shape 205"/>
-        <p:cNvGrpSpPr/>
-        <p:nvPr/>
-      </p:nvGrpSpPr>
-      <p:grpSpPr>
-        <a:xfrm>
-          <a:off x="0" y="0"/>
-          <a:ext cx="0" cy="0"/>
-          <a:chOff x="0" y="0"/>
-          <a:chExt cx="0" cy="0"/>
-        </a:xfrm>
-      </p:grpSpPr>
-      <p:sp>
-        <p:nvSpPr>
-          <p:cNvPr id="206" name="Shape 206"/>
-          <p:cNvSpPr txBox="1">
-            <a:spLocks noGrp="1"/>
-          </p:cNvSpPr>
-          <p:nvPr>
-            <p:ph type="title"/>
-          </p:nvPr>
-        </p:nvSpPr>
-        <p:spPr>
-          <a:prstGeom prst="rect">
-            <a:avLst/>
-          </a:prstGeom>
-        </p:spPr>
-        <p:txBody>
-          <a:bodyPr vert="horz" wrap="square" lIns="88369" tIns="88369" rIns="88369" bIns="88369" numCol="1" anchor="ctr" anchorCtr="0" compatLnSpc="1">
-            <a:prstTxWarp prst="textNoShape">
-              <a:avLst/>
-            </a:prstTxWarp>
-            <a:noAutofit/>
-          </a:bodyPr>
-          <a:lstStyle/>
-          <a:p>
-            <a:pPr>
-              <a:buNone/>
-            </a:pPr>
-            <a:r>
-              <a:rPr lang="en-US">
-                <a:solidFill>
-                  <a:srgbClr val="9B37AA"/>
-                </a:solidFill>
-              </a:rPr>
-              <a:t>Example SQL Injection Attack</a:t>
-            </a:r>
-          </a:p>
-        </p:txBody>
-      </p:sp>
-      <p:sp>
-        <p:nvSpPr>
-          <p:cNvPr id="2" name="Content Placeholder 1">
-            <a:extLst>
-              <a:ext uri="{FF2B5EF4-FFF2-40B4-BE49-F238E27FC236}">
-                <a16:creationId xmlns:a16="http://schemas.microsoft.com/office/drawing/2014/main" id="{5F8BE5FD-CCD5-458B-994D-81424C47E041}"/>
-              </a:ext>
-            </a:extLst>
-          </p:cNvPr>
-          <p:cNvSpPr>
-            <a:spLocks noGrp="1"/>
-          </p:cNvSpPr>
-          <p:nvPr>
-            <p:ph idx="1"/>
-          </p:nvPr>
-        </p:nvSpPr>
-        <p:spPr/>
-        <p:txBody>
-          <a:bodyPr/>
-          <a:lstStyle/>
-          <a:p>
-            <a:endParaRPr lang="en-SE"/>
-          </a:p>
-        </p:txBody>
-      </p:sp>
-      <p:pic>
-        <p:nvPicPr>
-          <p:cNvPr id="207" name="Shape 207"/>
-          <p:cNvPicPr preferRelativeResize="0"/>
-          <p:nvPr/>
-        </p:nvPicPr>
-        <p:blipFill>
-          <a:blip r:embed="rId3">
-            <a:alphaModFix/>
-          </a:blip>
-          <a:stretch>
-            <a:fillRect/>
-          </a:stretch>
-        </p:blipFill>
-        <p:spPr>
-          <a:xfrm>
-            <a:off x="433914" y="1947675"/>
-            <a:ext cx="8276174" cy="3569962"/>
-          </a:xfrm>
-          <a:prstGeom prst="rect">
-            <a:avLst/>
-          </a:prstGeom>
-          <a:noFill/>
-          <a:ln>
-            <a:noFill/>
-          </a:ln>
-        </p:spPr>
-      </p:pic>
-    </p:spTree>
-  </p:cSld>
-  <p:clrMapOvr>
-    <a:masterClrMapping/>
-  </p:clrMapOvr>
-  <p:transition spd="slow">
-    <p:cut/>
-  </p:transition>
-</p:sld>
-</file>
-
-<file path=ppt/slides/slide25.xml><?xml version="1.0" encoding="utf-8"?>
 <p:sld xmlns:a="http://schemas.openxmlformats.org/drawingml/2006/main" xmlns:r="http://schemas.openxmlformats.org/officeDocument/2006/relationships" xmlns:p="http://schemas.openxmlformats.org/presentationml/2006/main">
   <p:cSld>
     <p:spTree>
@@ -9843,7 +10108,7 @@
               <a:pPr>
                 <a:defRPr/>
               </a:pPr>
-              <a:t>25</a:t>
+              <a:t>23</a:t>
             </a:fld>
             <a:endParaRPr lang="en-US" altLang="zh-CN" dirty="0"/>
           </a:p>
@@ -9859,10 +10124,17 @@
   <p:clrMapOvr>
     <a:masterClrMapping/>
   </p:clrMapOvr>
+  <p:timing>
+    <p:tnLst>
+      <p:par>
+        <p:cTn id="1" dur="indefinite" restart="never" nodeType="tmRoot"/>
+      </p:par>
+    </p:tnLst>
+  </p:timing>
 </p:sld>
 </file>
 
-<file path=ppt/slides/slide26.xml><?xml version="1.0" encoding="utf-8"?>
+<file path=ppt/slides/slide24.xml><?xml version="1.0" encoding="utf-8"?>
 <p:sld xmlns:a="http://schemas.openxmlformats.org/drawingml/2006/main" xmlns:r="http://schemas.openxmlformats.org/officeDocument/2006/relationships" xmlns:p="http://schemas.openxmlformats.org/presentationml/2006/main">
   <p:cSld>
     <p:spTree>
@@ -9996,7 +10268,7 @@
               <a:pPr>
                 <a:defRPr/>
               </a:pPr>
-              <a:t>26</a:t>
+              <a:t>24</a:t>
             </a:fld>
             <a:endParaRPr lang="en-US" altLang="zh-CN" dirty="0"/>
           </a:p>
@@ -10012,6 +10284,13 @@
   <p:clrMapOvr>
     <a:masterClrMapping/>
   </p:clrMapOvr>
+  <p:timing>
+    <p:tnLst>
+      <p:par>
+        <p:cTn id="1" dur="indefinite" restart="never" nodeType="tmRoot"/>
+      </p:par>
+    </p:tnLst>
+  </p:timing>
 </p:sld>
 </file>
 
@@ -10170,6 +10449,13 @@
   <p:transition spd="slow">
     <p:cut/>
   </p:transition>
+  <p:timing>
+    <p:tnLst>
+      <p:par>
+        <p:cTn id="1" dur="indefinite" restart="never" nodeType="tmRoot"/>
+      </p:par>
+    </p:tnLst>
+  </p:timing>
 </p:sld>
 </file>
 
@@ -10320,6 +10606,13 @@
   <p:transition spd="slow">
     <p:cut/>
   </p:transition>
+  <p:timing>
+    <p:tnLst>
+      <p:par>
+        <p:cTn id="1" dur="indefinite" restart="never" nodeType="tmRoot"/>
+      </p:par>
+    </p:tnLst>
+  </p:timing>
 </p:sld>
 </file>
 
@@ -10404,7 +10697,19 @@
             </a:pPr>
             <a:r>
               <a:rPr lang="en-US" dirty="0"/>
-              <a:t>Cookies are created by ads that run on websites</a:t>
+              <a:t>Cookies </a:t>
+            </a:r>
+            <a:r>
+              <a:rPr lang="en-US" dirty="0" smtClean="0"/>
+              <a:t>may be</a:t>
+            </a:r>
+            <a:r>
+              <a:rPr lang="en-US" dirty="0" smtClean="0"/>
+              <a:t> </a:t>
+            </a:r>
+            <a:r>
+              <a:rPr lang="en-US" dirty="0"/>
+              <a:t>created by ads that run on websites</a:t>
             </a:r>
           </a:p>
           <a:p>
@@ -10460,7 +10765,15 @@
           <a:p>
             <a:r>
               <a:rPr lang="en-US" dirty="0"/>
-              <a:t>ANS: A, B, E</a:t>
+              <a:t>ANS: </a:t>
+            </a:r>
+            <a:r>
+              <a:rPr lang="en-US" dirty="0" smtClean="0"/>
+              <a:t>A, B</a:t>
+            </a:r>
+            <a:r>
+              <a:rPr lang="en-US" dirty="0"/>
+              <a:t>, E</a:t>
             </a:r>
           </a:p>
           <a:p>
@@ -10540,6 +10853,13 @@
   <p:clrMapOvr>
     <a:masterClrMapping/>
   </p:clrMapOvr>
+  <p:timing>
+    <p:tnLst>
+      <p:par>
+        <p:cTn id="1" dur="indefinite" restart="never" nodeType="tmRoot"/>
+      </p:par>
+    </p:tnLst>
+  </p:timing>
 </p:sld>
 </file>
 
@@ -10621,7 +10941,15 @@
             <a:pPr lvl="1"/>
             <a:r>
               <a:rPr lang="en-US" dirty="0"/>
-              <a:t>Sent from a web site(s)</a:t>
+              <a:t>Sent from a </a:t>
+            </a:r>
+            <a:r>
+              <a:rPr lang="en-US" dirty="0" smtClean="0"/>
+              <a:t>website(s</a:t>
+            </a:r>
+            <a:r>
+              <a:rPr lang="en-US" dirty="0"/>
+              <a:t>)</a:t>
             </a:r>
           </a:p>
           <a:p>
@@ -10648,14 +10976,42 @@
             <a:pPr lvl="1"/>
             <a:r>
               <a:rPr lang="en-US" dirty="0"/>
-              <a:t>But even if a website is authenticated, the contents that it sends may not be trustworthy because the web site may have security vulnerabilities that allow attackers to inject malicious content that gets passed onto the users visiting the web site. </a:t>
+              <a:t>But even if a website is authenticated, the contents that it sends may not be trustworthy because </a:t>
+            </a:r>
+            <a:r>
+              <a:rPr lang="en-SE" dirty="0" smtClean="0"/>
+              <a:t>it </a:t>
+            </a:r>
+            <a:r>
+              <a:rPr lang="en-US" dirty="0" smtClean="0"/>
+              <a:t>may </a:t>
+            </a:r>
+            <a:r>
+              <a:rPr lang="en-US" dirty="0"/>
+              <a:t>have security vulnerabilities that allow attackers to inject malicious content that gets passed onto the users visiting the </a:t>
+            </a:r>
+            <a:r>
+              <a:rPr lang="en-US" dirty="0" smtClean="0"/>
+              <a:t>website</a:t>
+            </a:r>
+            <a:r>
+              <a:rPr lang="en-US" dirty="0"/>
+              <a:t>. </a:t>
             </a:r>
           </a:p>
           <a:p>
             <a:pPr lvl="1"/>
             <a:r>
               <a:rPr lang="en-US" dirty="0"/>
-              <a:t>Or the web site includes contents or links to other websites, which may also have security vulnerabilities.</a:t>
+              <a:t>Or the </a:t>
+            </a:r>
+            <a:r>
+              <a:rPr lang="en-US" dirty="0" smtClean="0"/>
+              <a:t>website </a:t>
+            </a:r>
+            <a:r>
+              <a:rPr lang="en-US" dirty="0"/>
+              <a:t>includes contents or links to other websites, which may also have security vulnerabilities.</a:t>
             </a:r>
           </a:p>
           <a:p>
@@ -10717,6 +11073,13 @@
   <p:clrMapOvr>
     <a:masterClrMapping/>
   </p:clrMapOvr>
+  <p:timing>
+    <p:tnLst>
+      <p:par>
+        <p:cTn id="1" dur="indefinite" restart="never" nodeType="tmRoot"/>
+      </p:par>
+    </p:tnLst>
+  </p:timing>
 </p:sld>
 </file>
 
@@ -10785,7 +11148,7 @@
         <p:spPr/>
         <p:txBody>
           <a:bodyPr>
-            <a:normAutofit fontScale="92500"/>
+            <a:normAutofit fontScale="92500" lnSpcReduction="10000"/>
           </a:bodyPr>
           <a:lstStyle/>
           <a:p>
@@ -10815,7 +11178,38 @@
                   <a:schemeClr val="dk1"/>
                 </a:solidFill>
               </a:rPr>
-              <a:t>These web applications may have security vulnerabilities. Furthermore, many websites do not authenticate users, so attackers may send requests designed to exploit security vulnerabilities. </a:t>
+              <a:t>These web </a:t>
+            </a:r>
+            <a:r>
+              <a:rPr lang="en-US" dirty="0" smtClean="0">
+                <a:solidFill>
+                  <a:schemeClr val="dk1"/>
+                </a:solidFill>
+              </a:rPr>
+              <a:t>applications may have security vulnerabilities. </a:t>
+            </a:r>
+            <a:endParaRPr lang="en-SE" dirty="0" smtClean="0">
+              <a:solidFill>
+                <a:schemeClr val="dk1"/>
+              </a:solidFill>
+            </a:endParaRPr>
+          </a:p>
+          <a:p>
+            <a:r>
+              <a:rPr lang="en-US" dirty="0" smtClean="0">
+                <a:solidFill>
+                  <a:schemeClr val="dk1"/>
+                </a:solidFill>
+              </a:rPr>
+              <a:t>Furthermore</a:t>
+            </a:r>
+            <a:r>
+              <a:rPr lang="en-US" dirty="0">
+                <a:solidFill>
+                  <a:schemeClr val="dk1"/>
+                </a:solidFill>
+              </a:rPr>
+              <a:t>, many websites do not authenticate users, so attackers may send requests designed to exploit security vulnerabilities. </a:t>
             </a:r>
           </a:p>
           <a:p>
@@ -10874,6 +11268,13 @@
   <p:clrMapOvr>
     <a:masterClrMapping/>
   </p:clrMapOvr>
+  <p:timing>
+    <p:tnLst>
+      <p:par>
+        <p:cTn id="1" dur="indefinite" restart="never" nodeType="tmRoot"/>
+      </p:par>
+    </p:tnLst>
+  </p:timing>
 </p:sld>
 </file>
 
@@ -11080,6 +11481,13 @@
   <p:clrMapOvr>
     <a:masterClrMapping/>
   </p:clrMapOvr>
+  <p:timing>
+    <p:tnLst>
+      <p:par>
+        <p:cTn id="1" dur="indefinite" restart="never" nodeType="tmRoot"/>
+      </p:par>
+    </p:tnLst>
+  </p:timing>
 </p:sld>
 </file>
 
@@ -11151,29 +11559,9 @@
           <a:lstStyle/>
           <a:p>
             <a:r>
-              <a:rPr lang="en-US" dirty="0"/>
-              <a:t>If a website allows users to input content without controls, then attackers can insert malicious code as well.</a:t>
-            </a:r>
-          </a:p>
-          <a:p>
-            <a:pPr lvl="1"/>
-            <a:r>
-              <a:rPr lang="en-US" dirty="0"/>
-              <a:t>Social networking sites, blogs, forums, wikis</a:t>
-            </a:r>
-          </a:p>
-          <a:p>
-            <a:pPr lvl="1"/>
-            <a:endParaRPr lang="en-US" dirty="0"/>
-          </a:p>
-          <a:p>
-            <a:pPr lvl="1"/>
-            <a:endParaRPr lang="en-US" dirty="0"/>
-          </a:p>
-          <a:p>
-            <a:endParaRPr lang="en-US" dirty="0"/>
-          </a:p>
-          <a:p>
+              <a:rPr lang="en-GB" dirty="0"/>
+              <a:t>Cross-Site Scripting (XSS) attacks are a type of injection, in which malicious scripts are injected into otherwise benign and trusted websites. </a:t>
+            </a:r>
             <a:endParaRPr lang="en-SE" dirty="0"/>
           </a:p>
         </p:txBody>
@@ -11223,6 +11611,13 @@
   <p:clrMapOvr>
     <a:masterClrMapping/>
   </p:clrMapOvr>
+  <p:timing>
+    <p:tnLst>
+      <p:par>
+        <p:cTn id="1" dur="indefinite" restart="never" nodeType="tmRoot"/>
+      </p:par>
+    </p:tnLst>
+  </p:timing>
 </p:sld>
 </file>
 

--- a/InfoSec/PPTs/L16-CH25-Web Security.pptx
+++ b/InfoSec/PPTs/L16-CH25-Web Security.pptx
@@ -311,7 +311,7 @@
             <a:fld id="{999DDEF9-8F79-3F4A-8C1A-CB2E900DCD92}" type="datetimeFigureOut">
               <a:rPr lang="en-US" smtClean="0"/>
               <a:pPr/>
-              <a:t>6/11/2020</a:t>
+              <a:t>5/4/2021</a:t>
             </a:fld>
             <a:endParaRPr lang="en-US"/>
           </a:p>
@@ -6994,31 +6994,6 @@
       </p:sp>
       <p:sp>
         <p:nvSpPr>
-          <p:cNvPr id="4" name="Subtitle 3">
-            <a:extLst>
-              <a:ext uri="{FF2B5EF4-FFF2-40B4-BE49-F238E27FC236}">
-                <a16:creationId xmlns:a16="http://schemas.microsoft.com/office/drawing/2014/main" id="{AE50EE00-415B-4557-9062-379FD139A177}"/>
-              </a:ext>
-            </a:extLst>
-          </p:cNvPr>
-          <p:cNvSpPr>
-            <a:spLocks noGrp="1"/>
-          </p:cNvSpPr>
-          <p:nvPr>
-            <p:ph type="subTitle" idx="1"/>
-          </p:nvPr>
-        </p:nvSpPr>
-        <p:spPr/>
-        <p:txBody>
-          <a:bodyPr/>
-          <a:lstStyle/>
-          <a:p>
-            <a:endParaRPr lang="en-SE"/>
-          </a:p>
-        </p:txBody>
-      </p:sp>
-      <p:sp>
-        <p:nvSpPr>
           <p:cNvPr id="7" name="TextBox 6"/>
           <p:cNvSpPr txBox="1"/>
           <p:nvPr/>
@@ -7040,6 +7015,48 @@
           <a:lstStyle/>
           <a:p>
             <a:endParaRPr lang="en-US" dirty="0"/>
+          </a:p>
+        </p:txBody>
+      </p:sp>
+      <p:sp>
+        <p:nvSpPr>
+          <p:cNvPr id="5" name="Subtitle 3">
+            <a:extLst>
+              <a:ext uri="{FF2B5EF4-FFF2-40B4-BE49-F238E27FC236}">
+                <a16:creationId xmlns:a16="http://schemas.microsoft.com/office/drawing/2014/main" id="{AE50EE00-415B-4557-9062-379FD139A177}"/>
+              </a:ext>
+            </a:extLst>
+          </p:cNvPr>
+          <p:cNvSpPr>
+            <a:spLocks noGrp="1"/>
+          </p:cNvSpPr>
+          <p:nvPr>
+            <p:ph type="subTitle" idx="1"/>
+          </p:nvPr>
+        </p:nvSpPr>
+        <p:spPr>
+          <a:xfrm>
+            <a:off x="1371600" y="4509120"/>
+            <a:ext cx="6400800" cy="1129680"/>
+          </a:xfrm>
+        </p:spPr>
+        <p:txBody>
+          <a:bodyPr/>
+          <a:lstStyle/>
+          <a:p>
+            <a:r>
+              <a:rPr lang="en-US" dirty="0"/>
+              <a:t>ZJU </a:t>
+            </a:r>
+            <a:r>
+              <a:rPr lang="en-US" dirty="0" smtClean="0"/>
+              <a:t>202</a:t>
+            </a:r>
+            <a:r>
+              <a:rPr lang="en-SE" dirty="0" smtClean="0"/>
+              <a:t>1</a:t>
+            </a:r>
+            <a:endParaRPr lang="en-SE" dirty="0"/>
           </a:p>
         </p:txBody>
       </p:sp>
@@ -10701,11 +10718,7 @@
             </a:r>
             <a:r>
               <a:rPr lang="en-US" dirty="0" smtClean="0"/>
-              <a:t>may be</a:t>
-            </a:r>
-            <a:r>
-              <a:rPr lang="en-US" dirty="0" smtClean="0"/>
-              <a:t> </a:t>
+              <a:t>may be </a:t>
             </a:r>
             <a:r>
               <a:rPr lang="en-US" dirty="0"/>

--- a/InfoSec/PPTs/L16-CH25-Web Security.pptx
+++ b/InfoSec/PPTs/L16-CH25-Web Security.pptx
@@ -311,7 +311,7 @@
             <a:fld id="{999DDEF9-8F79-3F4A-8C1A-CB2E900DCD92}" type="datetimeFigureOut">
               <a:rPr lang="en-US" smtClean="0"/>
               <a:pPr/>
-              <a:t>6/11/2020</a:t>
+              <a:t>5/4/2021</a:t>
             </a:fld>
             <a:endParaRPr lang="en-US"/>
           </a:p>
@@ -1195,7 +1195,7 @@
               <a:defRPr/>
             </a:pPr>
             <a:r>
-              <a:rPr lang="en-US" dirty="0" smtClean="0"/>
+              <a:rPr lang="en-US" dirty="0"/>
               <a:t>Suppose a website echoes user-supplied data, e.g., his name, back to user on the html page.</a:t>
             </a:r>
           </a:p>
@@ -1211,7 +1211,7 @@
               <a:buFont typeface="Arial"/>
               <a:buNone/>
             </a:pPr>
-            <a:endParaRPr lang="en-SE" sz="1200" dirty="0" smtClean="0">
+            <a:endParaRPr lang="en-SE" sz="1200" dirty="0">
               <a:solidFill>
                 <a:schemeClr val="dk1"/>
               </a:solidFill>
@@ -1230,20 +1230,12 @@
               <a:buNone/>
             </a:pPr>
             <a:r>
-              <a:rPr lang="en-US" sz="1200" dirty="0" smtClean="0">
-                <a:solidFill>
-                  <a:schemeClr val="dk1"/>
-                </a:solidFill>
-              </a:rPr>
-              <a:t>For </a:t>
-            </a:r>
-            <a:r>
               <a:rPr lang="en-US" sz="1200" dirty="0">
                 <a:solidFill>
                   <a:schemeClr val="dk1"/>
                 </a:solidFill>
               </a:rPr>
-              <a:t>example, when the user’s browser sends the user’s name to a web site, the web site </a:t>
+              <a:t>For example, when the user’s browser sends the user’s name to a web site, the web site </a:t>
             </a:r>
             <a:r>
               <a:rPr lang="en-US" sz="1200" dirty="0" err="1">
@@ -1593,19 +1585,19 @@
           <a:lstStyle/>
           <a:p>
             <a:r>
-              <a:rPr lang="en-SE" dirty="0" smtClean="0"/>
+              <a:rPr lang="en-SE" dirty="0"/>
               <a:t>T</a:t>
             </a:r>
             <a:r>
-              <a:rPr lang="en-US" dirty="0" smtClean="0"/>
+              <a:rPr lang="en-US" dirty="0"/>
               <a:t>h</a:t>
             </a:r>
             <a:r>
-              <a:rPr lang="en-SE" dirty="0" smtClean="0"/>
+              <a:rPr lang="en-SE" dirty="0"/>
               <a:t>e script is</a:t>
             </a:r>
             <a:r>
-              <a:rPr lang="en-SE" baseline="0" dirty="0" smtClean="0"/>
+              <a:rPr lang="en-SE" baseline="0" dirty="0"/>
               <a:t> echoed back from naive.com, so the browser executes it. If the script is directly from evil.com, the browser may prevent its exedcution</a:t>
             </a:r>
           </a:p>
@@ -1622,14 +1614,14 @@
               <a:buNone/>
             </a:pPr>
             <a:r>
-              <a:rPr lang="en-US" sz="1200" dirty="0" smtClean="0">
+              <a:rPr lang="en-US" sz="1200" dirty="0">
                 <a:solidFill>
                   <a:schemeClr val="dk1"/>
                 </a:solidFill>
               </a:rPr>
               <a:t>https://owasp.org/www-community/attacks/xss/</a:t>
             </a:r>
-            <a:endParaRPr lang="en-SE" sz="1200" dirty="0" smtClean="0">
+            <a:endParaRPr lang="en-SE" sz="1200" dirty="0">
               <a:solidFill>
                 <a:schemeClr val="dk1"/>
               </a:solidFill>
@@ -1637,7 +1629,7 @@
           </a:p>
           <a:p>
             <a:r>
-              <a:rPr lang="en-GB" sz="1200" b="1" i="0" kern="1200" dirty="0" smtClean="0">
+              <a:rPr lang="en-GB" sz="1200" b="1" i="0" kern="1200" dirty="0">
                 <a:solidFill>
                   <a:schemeClr val="tx1"/>
                 </a:solidFill>
@@ -1651,7 +1643,7 @@
           </a:p>
           <a:p>
             <a:r>
-              <a:rPr lang="en-GB" sz="1200" b="0" i="0" kern="1200" dirty="0" smtClean="0">
+              <a:rPr lang="en-GB" sz="1200" b="0" i="0" kern="1200" dirty="0">
                 <a:solidFill>
                   <a:schemeClr val="tx1"/>
                 </a:solidFill>
@@ -1662,7 +1654,7 @@
               </a:rPr>
               <a:t>Reflected attacks are those where the injected script is reflected off the web server, such as in an error message, search result, or any other response that includes some or all of the input sent to the server as part of the request. Reflected attacks are delivered to victims via another route, such as in an e-mail message, or on some other website. When a user is tricked into clicking on a malicious link, submitting a specially crafted form, or even just browsing to a malicious site, the injected code travels to the vulnerable web site, which reflects the attack back to the user’s browser. The browser then executes the code because it came from a “trusted” server. Reflected XSS is also sometimes referred to as Non-Persistent or Type-II XSS.</a:t>
             </a:r>
-            <a:endParaRPr lang="en-SE" sz="1200" b="0" i="0" kern="1200" dirty="0" smtClean="0">
+            <a:endParaRPr lang="en-SE" sz="1200" b="0" i="0" kern="1200" dirty="0">
               <a:solidFill>
                 <a:schemeClr val="tx1"/>
               </a:solidFill>
@@ -1674,7 +1666,7 @@
           </a:p>
           <a:p>
             <a:r>
-              <a:rPr lang="en-GB" sz="1200" b="1" i="0" kern="1200" dirty="0" smtClean="0">
+              <a:rPr lang="en-GB" sz="1200" b="1" i="0" kern="1200" dirty="0">
                 <a:solidFill>
                   <a:schemeClr val="tx1"/>
                 </a:solidFill>
@@ -1688,7 +1680,7 @@
           </a:p>
           <a:p>
             <a:r>
-              <a:rPr lang="en-GB" sz="1200" b="0" i="0" kern="1200" dirty="0" smtClean="0">
+              <a:rPr lang="en-GB" sz="1200" b="0" i="0" kern="1200" dirty="0">
                 <a:solidFill>
                   <a:schemeClr val="tx1"/>
                 </a:solidFill>
@@ -1701,7 +1693,7 @@
             </a:r>
           </a:p>
           <a:p>
-            <a:endParaRPr lang="en-GB" sz="1200" b="0" i="0" kern="1200" dirty="0" smtClean="0">
+            <a:endParaRPr lang="en-GB" sz="1200" b="0" i="0" kern="1200" dirty="0">
               <a:solidFill>
                 <a:schemeClr val="tx1"/>
               </a:solidFill>
@@ -1723,7 +1715,7 @@
               <a:buFont typeface="Arial"/>
               <a:buNone/>
             </a:pPr>
-            <a:endParaRPr lang="en-US" sz="1200" dirty="0" smtClean="0">
+            <a:endParaRPr lang="en-US" sz="1200" dirty="0">
               <a:solidFill>
                 <a:schemeClr val="dk1"/>
               </a:solidFill>
@@ -3500,17 +3492,9 @@
                   <a:schemeClr val="dk1"/>
                 </a:solidFill>
               </a:rPr>
-              <a:t>Here is an example of web form. A user would enter his name and password</a:t>
-            </a:r>
-            <a:r>
-              <a:rPr lang="en-US" sz="1200" dirty="0" smtClean="0">
-                <a:solidFill>
-                  <a:schemeClr val="dk1"/>
-                </a:solidFill>
-              </a:rPr>
-              <a:t>.</a:t>
-            </a:r>
-            <a:endParaRPr lang="en-SE" sz="1200" dirty="0" smtClean="0">
+              <a:t>Here is an example of web form. A user would enter his name and password.</a:t>
+            </a:r>
+            <a:endParaRPr lang="en-SE" sz="1200" dirty="0">
               <a:solidFill>
                 <a:schemeClr val="dk1"/>
               </a:solidFill>
@@ -3529,7 +3513,7 @@
               <a:buNone/>
             </a:pPr>
             <a:r>
-              <a:rPr lang="en-GB" sz="1200" dirty="0" smtClean="0">
+              <a:rPr lang="en-GB" sz="1200" dirty="0">
                 <a:solidFill>
                   <a:schemeClr val="dk1"/>
                 </a:solidFill>
@@ -3544,7 +3528,7 @@
               </a:spcBef>
               <a:buNone/>
             </a:pPr>
-            <a:endParaRPr lang="en-GB" dirty="0" smtClean="0"/>
+            <a:endParaRPr lang="en-GB" dirty="0"/>
           </a:p>
           <a:p>
             <a:pPr lvl="0" rtl="0">
@@ -3738,18 +3722,10 @@
                   <a:schemeClr val="dk1"/>
                 </a:solidFill>
               </a:rPr>
-              <a:t>Now suppose an attacker enters this malicious string as the user name</a:t>
-            </a:r>
-            <a:r>
-              <a:rPr lang="en-US" sz="1200" dirty="0" smtClean="0">
-                <a:solidFill>
-                  <a:schemeClr val="dk1"/>
-                </a:solidFill>
-              </a:rPr>
-              <a:t>.</a:t>
-            </a:r>
-            <a:r>
-              <a:rPr lang="en-SE" sz="1200" dirty="0" smtClean="0">
+              <a:t>Now suppose an attacker enters this malicious string as the user name.</a:t>
+            </a:r>
+            <a:r>
+              <a:rPr lang="en-SE" sz="1200" dirty="0">
                 <a:solidFill>
                   <a:schemeClr val="dk1"/>
                 </a:solidFill>
@@ -3757,7 +3733,7 @@
               <a:t> </a:t>
             </a:r>
             <a:r>
-              <a:rPr lang="en-US" sz="1200" dirty="0" smtClean="0">
+              <a:rPr lang="en-US" sz="1200" dirty="0">
                 <a:solidFill>
                   <a:schemeClr val="dk1"/>
                 </a:solidFill>
@@ -5065,46 +5041,46 @@
           <a:bodyPr/>
           <a:lstStyle/>
           <a:p>
-            <a:endParaRPr lang="en-SE" dirty="0" smtClean="0"/>
-          </a:p>
-          <a:p>
-            <a:r>
-              <a:rPr lang="en-US" dirty="0" smtClean="0"/>
+            <a:endParaRPr lang="en-SE" dirty="0"/>
+          </a:p>
+          <a:p>
+            <a:r>
+              <a:rPr lang="en-US" dirty="0"/>
               <a:t>If a website allows users to input content without controls, </a:t>
             </a:r>
             <a:r>
-              <a:rPr lang="en-SE" dirty="0" smtClean="0"/>
+              <a:rPr lang="en-SE" dirty="0"/>
               <a:t>,e.g., s</a:t>
             </a:r>
             <a:r>
-              <a:rPr lang="en-US" dirty="0" err="1" smtClean="0"/>
+              <a:rPr lang="en-US" dirty="0" err="1"/>
               <a:t>ocial</a:t>
             </a:r>
             <a:r>
-              <a:rPr lang="en-US" dirty="0" smtClean="0"/>
+              <a:rPr lang="en-US" dirty="0"/>
               <a:t> networking sites, blogs, forums, then attackers can insert malicious code as well.</a:t>
             </a:r>
-            <a:endParaRPr lang="en-SE" dirty="0" smtClean="0"/>
-          </a:p>
-          <a:p>
-            <a:r>
-              <a:rPr lang="en-GB" dirty="0" smtClean="0"/>
+            <a:endParaRPr lang="en-SE" dirty="0"/>
+          </a:p>
+          <a:p>
+            <a:r>
+              <a:rPr lang="en-GB" dirty="0"/>
               <a:t>malicious scripts are injected into otherwise benign and trusted websites. </a:t>
             </a:r>
-            <a:endParaRPr lang="en-US" dirty="0" smtClean="0"/>
-          </a:p>
-          <a:p>
-            <a:endParaRPr lang="en-US" dirty="0" smtClean="0"/>
+            <a:endParaRPr lang="en-US" dirty="0"/>
+          </a:p>
+          <a:p>
+            <a:endParaRPr lang="en-US" dirty="0"/>
           </a:p>
           <a:p>
             <a:pPr lvl="1"/>
-            <a:endParaRPr lang="en-US" dirty="0" smtClean="0"/>
-          </a:p>
-          <a:p>
-            <a:endParaRPr lang="en-US" dirty="0" smtClean="0"/>
-          </a:p>
-          <a:p>
-            <a:endParaRPr lang="en-SE" dirty="0" smtClean="0"/>
+            <a:endParaRPr lang="en-US" dirty="0"/>
+          </a:p>
+          <a:p>
+            <a:endParaRPr lang="en-US" dirty="0"/>
+          </a:p>
+          <a:p>
+            <a:endParaRPr lang="en-SE" dirty="0"/>
           </a:p>
           <a:p>
             <a:endParaRPr lang="en-SE" dirty="0"/>
@@ -6994,31 +6970,6 @@
       </p:sp>
       <p:sp>
         <p:nvSpPr>
-          <p:cNvPr id="4" name="Subtitle 3">
-            <a:extLst>
-              <a:ext uri="{FF2B5EF4-FFF2-40B4-BE49-F238E27FC236}">
-                <a16:creationId xmlns:a16="http://schemas.microsoft.com/office/drawing/2014/main" id="{AE50EE00-415B-4557-9062-379FD139A177}"/>
-              </a:ext>
-            </a:extLst>
-          </p:cNvPr>
-          <p:cNvSpPr>
-            <a:spLocks noGrp="1"/>
-          </p:cNvSpPr>
-          <p:nvPr>
-            <p:ph type="subTitle" idx="1"/>
-          </p:nvPr>
-        </p:nvSpPr>
-        <p:spPr/>
-        <p:txBody>
-          <a:bodyPr/>
-          <a:lstStyle/>
-          <a:p>
-            <a:endParaRPr lang="en-SE"/>
-          </a:p>
-        </p:txBody>
-      </p:sp>
-      <p:sp>
-        <p:nvSpPr>
           <p:cNvPr id="7" name="TextBox 6"/>
           <p:cNvSpPr txBox="1"/>
           <p:nvPr/>
@@ -7043,18 +6994,45 @@
           </a:p>
         </p:txBody>
       </p:sp>
+      <p:sp>
+        <p:nvSpPr>
+          <p:cNvPr id="5" name="Subtitle 3">
+            <a:extLst>
+              <a:ext uri="{FF2B5EF4-FFF2-40B4-BE49-F238E27FC236}">
+                <a16:creationId xmlns:a16="http://schemas.microsoft.com/office/drawing/2014/main" id="{73E46BDC-43CF-46DB-8547-9BF5FB4DE69C}"/>
+              </a:ext>
+            </a:extLst>
+          </p:cNvPr>
+          <p:cNvSpPr>
+            <a:spLocks noGrp="1"/>
+          </p:cNvSpPr>
+          <p:nvPr>
+            <p:ph type="subTitle" idx="1"/>
+          </p:nvPr>
+        </p:nvSpPr>
+        <p:spPr>
+          <a:xfrm>
+            <a:off x="1371600" y="4509120"/>
+            <a:ext cx="6400800" cy="1129680"/>
+          </a:xfrm>
+        </p:spPr>
+        <p:txBody>
+          <a:bodyPr/>
+          <a:lstStyle/>
+          <a:p>
+            <a:r>
+              <a:rPr lang="en-US" dirty="0"/>
+              <a:t>ZJU 2021</a:t>
+            </a:r>
+            <a:endParaRPr lang="en-SE" dirty="0"/>
+          </a:p>
+        </p:txBody>
+      </p:sp>
     </p:spTree>
   </p:cSld>
   <p:clrMapOvr>
     <a:masterClrMapping/>
   </p:clrMapOvr>
-  <p:timing>
-    <p:tnLst>
-      <p:par>
-        <p:cTn id="1" dur="indefinite" restart="never" nodeType="tmRoot"/>
-      </p:par>
-    </p:tnLst>
-  </p:timing>
 </p:sld>
 </file>
 
@@ -7129,7 +7107,7 @@
           <a:p>
             <a:pPr lvl="0"/>
             <a:r>
-              <a:rPr lang="en-SE" dirty="0" smtClean="0">
+              <a:rPr lang="en-SE" dirty="0">
                 <a:solidFill>
                   <a:schemeClr val="dk1"/>
                 </a:solidFill>
@@ -7137,7 +7115,7 @@
               <a:t>Supposr a </a:t>
             </a:r>
             <a:r>
-              <a:rPr lang="en-US" dirty="0" smtClean="0">
+              <a:rPr lang="en-US" dirty="0">
                 <a:solidFill>
                   <a:schemeClr val="dk1"/>
                 </a:solidFill>
@@ -7145,7 +7123,7 @@
               <a:t>website allow</a:t>
             </a:r>
             <a:r>
-              <a:rPr lang="en-SE" dirty="0" smtClean="0">
+              <a:rPr lang="en-SE" dirty="0">
                 <a:solidFill>
                   <a:schemeClr val="dk1"/>
                 </a:solidFill>
@@ -7153,31 +7131,15 @@
               <a:t>s</a:t>
             </a:r>
             <a:r>
-              <a:rPr lang="en-US" dirty="0" smtClean="0">
-                <a:solidFill>
-                  <a:schemeClr val="dk1"/>
-                </a:solidFill>
-              </a:rPr>
-              <a:t> </a:t>
-            </a:r>
-            <a:r>
               <a:rPr lang="en-US" dirty="0">
                 <a:solidFill>
                   <a:schemeClr val="dk1"/>
                 </a:solidFill>
               </a:rPr>
-              <a:t>users to input data and then </a:t>
-            </a:r>
-            <a:r>
-              <a:rPr lang="en-US" dirty="0" smtClean="0">
-                <a:solidFill>
-                  <a:schemeClr val="dk1"/>
-                </a:solidFill>
-              </a:rPr>
-              <a:t>echo</a:t>
-            </a:r>
-            <a:r>
-              <a:rPr lang="en-SE" dirty="0" smtClean="0">
+              <a:t> users to input data and then echo</a:t>
+            </a:r>
+            <a:r>
+              <a:rPr lang="en-SE" dirty="0">
                 <a:solidFill>
                   <a:schemeClr val="dk1"/>
                 </a:solidFill>
@@ -7185,55 +7147,19 @@
               <a:t>s</a:t>
             </a:r>
             <a:r>
-              <a:rPr lang="en-US" dirty="0" smtClean="0">
-                <a:solidFill>
-                  <a:schemeClr val="dk1"/>
-                </a:solidFill>
-              </a:rPr>
-              <a:t> </a:t>
-            </a:r>
-            <a:r>
               <a:rPr lang="en-US" dirty="0">
                 <a:solidFill>
                   <a:schemeClr val="dk1"/>
                 </a:solidFill>
               </a:rPr>
-              <a:t>the data back, that is, include the user-input data in the html page to the user’s browser. Such </a:t>
-            </a:r>
-            <a:r>
-              <a:rPr lang="en-US" dirty="0" smtClean="0">
-                <a:solidFill>
-                  <a:schemeClr val="dk1"/>
-                </a:solidFill>
-              </a:rPr>
-              <a:t>websites </a:t>
-            </a:r>
-            <a:r>
-              <a:rPr lang="en-US" dirty="0">
-                <a:solidFill>
-                  <a:schemeClr val="dk1"/>
-                </a:solidFill>
-              </a:rPr>
-              <a:t>include social networking sites,  blogs, etc</a:t>
-            </a:r>
-            <a:r>
-              <a:rPr lang="en-US" dirty="0" smtClean="0">
-                <a:solidFill>
-                  <a:schemeClr val="dk1"/>
-                </a:solidFill>
-              </a:rPr>
-              <a:t>.</a:t>
-            </a:r>
-            <a:endParaRPr lang="en-SE" dirty="0" smtClean="0"/>
-          </a:p>
-          <a:p>
-            <a:r>
-              <a:rPr lang="en-US" dirty="0" smtClean="0"/>
-              <a:t>Suppose </a:t>
-            </a:r>
+              <a:t> the data back, that is, include the user-input data in the html page to the user’s browser. Such websites include social networking sites,  blogs, etc.</a:t>
+            </a:r>
+            <a:endParaRPr lang="en-SE" dirty="0"/>
+          </a:p>
+          <a:p>
             <a:r>
               <a:rPr lang="en-US" dirty="0"/>
-              <a:t>the browser sends to the site &lt;script type=”text/</a:t>
+              <a:t>Suppose the browser sends to the site &lt;script type=”text/</a:t>
             </a:r>
             <a:r>
               <a:rPr lang="en-US" dirty="0" err="1"/>
@@ -7271,20 +7197,12 @@
               <a:t>t</a:t>
             </a:r>
             <a:r>
-              <a:rPr lang="en-US" dirty="0" smtClean="0">
-                <a:solidFill>
-                  <a:schemeClr val="dk1"/>
-                </a:solidFill>
-              </a:rPr>
-              <a:t>he </a:t>
-            </a:r>
-            <a:r>
               <a:rPr lang="en-US" dirty="0">
                 <a:solidFill>
                   <a:schemeClr val="dk1"/>
                 </a:solidFill>
               </a:rPr>
-              <a:t>browser would execute the malicious script.</a:t>
+              <a:t>he browser would execute the malicious script.</a:t>
             </a:r>
           </a:p>
         </p:txBody>
@@ -7334,13 +7252,6 @@
   <p:clrMapOvr>
     <a:masterClrMapping/>
   </p:clrMapOvr>
-  <p:timing>
-    <p:tnLst>
-      <p:par>
-        <p:cTn id="1" dur="indefinite" restart="never" nodeType="tmRoot"/>
-      </p:par>
-    </p:tnLst>
-  </p:timing>
 </p:sld>
 </file>
 
@@ -7456,13 +7367,6 @@
   <p:transition spd="slow">
     <p:cut/>
   </p:transition>
-  <p:timing>
-    <p:tnLst>
-      <p:par>
-        <p:cTn id="1" dur="indefinite" restart="never" nodeType="tmRoot"/>
-      </p:par>
-    </p:tnLst>
-  </p:timing>
 </p:sld>
 </file>
 
@@ -7537,23 +7441,15 @@
           <a:p>
             <a:r>
               <a:rPr lang="en-US" dirty="0"/>
-              <a:t>The user has logged into a </a:t>
-            </a:r>
-            <a:r>
-              <a:rPr lang="en-US" dirty="0" smtClean="0"/>
-              <a:t>vulnerable</a:t>
-            </a:r>
-            <a:r>
-              <a:rPr lang="en-SE" dirty="0" smtClean="0"/>
+              <a:t>The user has logged into a vulnerable</a:t>
+            </a:r>
+            <a:r>
+              <a:rPr lang="en-SE" dirty="0"/>
               <a:t>, trusted</a:t>
             </a:r>
             <a:r>
-              <a:rPr lang="en-US" dirty="0" smtClean="0"/>
-              <a:t> </a:t>
-            </a:r>
-            <a:r>
               <a:rPr lang="en-US" dirty="0"/>
-              <a:t>site naive.com and his browser now stores a cookie from naïve.com.</a:t>
+              <a:t> site naive.com and his browser now stores a cookie from naïve.com.</a:t>
             </a:r>
           </a:p>
           <a:p>
@@ -7589,115 +7485,66 @@
           <a:p>
             <a:r>
               <a:rPr lang="en-US" dirty="0"/>
-              <a:t>The user’s browser displays the html page and executes the malicious </a:t>
-            </a:r>
-            <a:r>
-              <a:rPr lang="en-US" dirty="0" smtClean="0"/>
-              <a:t>script</a:t>
-            </a:r>
-            <a:r>
-              <a:rPr lang="en-SE" dirty="0" smtClean="0"/>
+              <a:t>The user’s browser displays the html page and executes the malicious script</a:t>
+            </a:r>
+            <a:r>
+              <a:rPr lang="en-SE" dirty="0"/>
               <a:t> since it </a:t>
-            </a:r>
-            <a:r>
-              <a:rPr lang="en-GB" kern="1200" dirty="0" smtClean="0">
-                <a:latin typeface="Arial" pitchFamily="-107" charset="0"/>
-              </a:rPr>
-              <a:t>came </a:t>
             </a:r>
             <a:r>
               <a:rPr lang="en-GB" kern="1200" dirty="0">
                 <a:latin typeface="Arial" pitchFamily="-107" charset="0"/>
               </a:rPr>
-              <a:t>from a </a:t>
-            </a:r>
-            <a:r>
-              <a:rPr lang="en-GB" kern="1200" dirty="0" smtClean="0">
-                <a:latin typeface="Arial" pitchFamily="-107" charset="0"/>
-              </a:rPr>
-              <a:t>trusted </a:t>
-            </a:r>
-            <a:r>
-              <a:rPr lang="en-SE" kern="1200" dirty="0" smtClean="0">
+              <a:t>came from a trusted </a:t>
+            </a:r>
+            <a:r>
+              <a:rPr lang="en-SE" kern="1200" dirty="0">
                 <a:latin typeface="Arial" pitchFamily="-107" charset="0"/>
               </a:rPr>
               <a:t>site</a:t>
             </a:r>
             <a:r>
               <a:rPr lang="en-US" dirty="0"/>
-              <a:t> </a:t>
-            </a:r>
-            <a:r>
-              <a:rPr lang="en-US" dirty="0" smtClean="0"/>
-              <a:t>naive.com</a:t>
-            </a:r>
-            <a:r>
-              <a:rPr lang="en-SE" dirty="0" smtClean="0"/>
+              <a:t> naive.com</a:t>
+            </a:r>
+            <a:r>
+              <a:rPr lang="en-SE" dirty="0"/>
               <a:t>,</a:t>
             </a:r>
             <a:r>
-              <a:rPr lang="en-US" dirty="0" smtClean="0"/>
-              <a:t> </a:t>
-            </a:r>
-            <a:r>
               <a:rPr lang="en-US" dirty="0"/>
-              <a:t>which </a:t>
-            </a:r>
-            <a:r>
-              <a:rPr lang="en-SE" dirty="0" smtClean="0"/>
+              <a:t> which </a:t>
+            </a:r>
+            <a:r>
+              <a:rPr lang="en-SE" dirty="0"/>
               <a:t>may </a:t>
             </a:r>
             <a:r>
-              <a:rPr lang="en-US" dirty="0" smtClean="0"/>
-              <a:t>steal </a:t>
-            </a:r>
-            <a:r>
               <a:rPr lang="en-US" dirty="0"/>
-              <a:t>the cookie to </a:t>
-            </a:r>
-            <a:r>
-              <a:rPr lang="en-SE" dirty="0" smtClean="0"/>
+              <a:t>steal the cookie to </a:t>
+            </a:r>
+            <a:r>
+              <a:rPr lang="en-SE" dirty="0"/>
               <a:t>nai</a:t>
             </a:r>
             <a:r>
-              <a:rPr lang="en-US" dirty="0" smtClean="0"/>
-              <a:t>ve.com </a:t>
-            </a:r>
-            <a:r>
               <a:rPr lang="en-US" dirty="0"/>
-              <a:t>and </a:t>
-            </a:r>
-            <a:r>
-              <a:rPr lang="en-US" dirty="0" smtClean="0"/>
-              <a:t>send </a:t>
+              <a:t>ve.com and send it to </a:t>
+            </a:r>
+            <a:r>
+              <a:rPr lang="en-SE" dirty="0"/>
+              <a:t>the</a:t>
             </a:r>
             <a:r>
               <a:rPr lang="en-US" dirty="0"/>
-              <a:t>it to </a:t>
-            </a:r>
-            <a:r>
-              <a:rPr lang="en-SE" dirty="0" smtClean="0"/>
-              <a:t>the</a:t>
-            </a:r>
-            <a:r>
-              <a:rPr lang="en-US" dirty="0" smtClean="0"/>
-              <a:t> </a:t>
-            </a:r>
+              <a:t> attacker.</a:t>
+            </a:r>
+          </a:p>
+          <a:p>
             <a:r>
               <a:rPr lang="en-US" dirty="0"/>
-              <a:t>attacker.</a:t>
-            </a:r>
-          </a:p>
-          <a:p>
-            <a:r>
-              <a:rPr lang="en-US" dirty="0"/>
-              <a:t>So what if evil.com gets the cookie for naive.com? Cookies can include session authenticators for naive.com, that is, the attacker can now impersonate the </a:t>
-            </a:r>
-            <a:r>
-              <a:rPr lang="en-US" dirty="0" smtClean="0"/>
-              <a:t>user.</a:t>
-            </a:r>
-            <a:endParaRPr lang="en-US" dirty="0"/>
+              <a:t>So what if evil.com gets the cookie for naive.com? Cookies can include session authenticators for naive.com, that is, the attacker can now impersonate the user.</a:t>
+            </a:r>
           </a:p>
           <a:p>
             <a:endParaRPr lang="en-SE" dirty="0"/>
@@ -7749,13 +7596,6 @@
   <p:clrMapOvr>
     <a:masterClrMapping/>
   </p:clrMapOvr>
-  <p:timing>
-    <p:tnLst>
-      <p:par>
-        <p:cTn id="1" dur="indefinite" restart="never" nodeType="tmRoot"/>
-      </p:par>
-    </p:tnLst>
-  </p:timing>
 </p:sld>
 </file>
 
@@ -7851,16 +7691,12 @@
               <a:t>To prevent XSS, any user input must be checked and preprocessed before it is used inside html (e.g., ensure that it is </a:t>
             </a:r>
             <a:r>
-              <a:rPr lang="en-SE" dirty="0" smtClean="0"/>
+              <a:rPr lang="en-SE" dirty="0"/>
               <a:t>data, </a:t>
             </a:r>
             <a:r>
-              <a:rPr lang="en-US" dirty="0" smtClean="0"/>
-              <a:t>not </a:t>
-            </a:r>
-            <a:r>
               <a:rPr lang="en-US" dirty="0"/>
-              <a:t>a script)</a:t>
+              <a:t>not a script)</a:t>
             </a:r>
           </a:p>
           <a:p>
@@ -7922,13 +7758,6 @@
   <p:clrMapOvr>
     <a:masterClrMapping/>
   </p:clrMapOvr>
-  <p:timing>
-    <p:tnLst>
-      <p:par>
-        <p:cTn id="1" dur="indefinite" restart="never" nodeType="tmRoot"/>
-      </p:par>
-    </p:tnLst>
-  </p:timing>
 </p:sld>
 </file>
 
@@ -8089,13 +7918,6 @@
   <p:transition spd="slow">
     <p:cut/>
   </p:transition>
-  <p:timing>
-    <p:tnLst>
-      <p:par>
-        <p:cTn id="1" dur="indefinite" restart="never" nodeType="tmRoot"/>
-      </p:par>
-    </p:tnLst>
-  </p:timing>
 </p:sld>
 </file>
 
@@ -8265,13 +8087,6 @@
   <p:transition spd="slow">
     <p:cut/>
   </p:transition>
-  <p:timing>
-    <p:tnLst>
-      <p:par>
-        <p:cTn id="1" dur="indefinite" restart="never" nodeType="tmRoot"/>
-      </p:par>
-    </p:tnLst>
-  </p:timing>
 </p:sld>
 </file>
 
@@ -8508,13 +8323,6 @@
   <p:clrMapOvr>
     <a:masterClrMapping/>
   </p:clrMapOvr>
-  <p:timing>
-    <p:tnLst>
-      <p:par>
-        <p:cTn id="1" dur="indefinite" restart="never" nodeType="tmRoot"/>
-      </p:par>
-    </p:tnLst>
-  </p:timing>
 </p:sld>
 </file>
 
@@ -8608,20 +8416,16 @@
           </a:p>
           <a:p>
             <a:r>
-              <a:rPr lang="en-US" dirty="0" smtClean="0"/>
+              <a:rPr lang="en-US" dirty="0"/>
               <a:t>Log</a:t>
             </a:r>
             <a:r>
-              <a:rPr lang="en-SE" dirty="0" smtClean="0"/>
+              <a:rPr lang="en-SE" dirty="0"/>
               <a:t> </a:t>
             </a:r>
             <a:r>
-              <a:rPr lang="en-US" dirty="0" smtClean="0"/>
-              <a:t>off </a:t>
-            </a:r>
-            <a:r>
               <a:rPr lang="en-US" dirty="0"/>
-              <a:t>immediately after using a web application.</a:t>
+              <a:t>off immediately after using a web application.</a:t>
             </a:r>
           </a:p>
           <a:p>
@@ -8683,13 +8487,6 @@
   <p:clrMapOvr>
     <a:masterClrMapping/>
   </p:clrMapOvr>
-  <p:timing>
-    <p:tnLst>
-      <p:par>
-        <p:cTn id="1" dur="indefinite" restart="never" nodeType="tmRoot"/>
-      </p:par>
-    </p:tnLst>
-  </p:timing>
 </p:sld>
 </file>
 
@@ -8790,7 +8587,7 @@
               <a:t>XSS (Cross-Site </a:t>
             </a:r>
             <a:r>
-              <a:rPr lang="en-SE" sz="2800" dirty="0" smtClean="0">
+              <a:rPr lang="en-SE" sz="2800" dirty="0">
                 <a:solidFill>
                   <a:schemeClr val="dk1"/>
                 </a:solidFill>
@@ -8798,7 +8595,7 @@
               <a:t>S</a:t>
             </a:r>
             <a:r>
-              <a:rPr lang="en-US" sz="2800" dirty="0" err="1" smtClean="0">
+              <a:rPr lang="en-US" sz="2800" dirty="0" err="1">
                 <a:solidFill>
                   <a:schemeClr val="dk1"/>
                 </a:solidFill>
@@ -8832,7 +8629,7 @@
               <a:t>CSRF (Cross-site Request </a:t>
             </a:r>
             <a:r>
-              <a:rPr lang="en-SE" sz="2800" dirty="0" smtClean="0">
+              <a:rPr lang="en-SE" sz="2800" dirty="0">
                 <a:solidFill>
                   <a:schemeClr val="dk1"/>
                 </a:solidFill>
@@ -8840,7 +8637,7 @@
               <a:t>F</a:t>
             </a:r>
             <a:r>
-              <a:rPr lang="en-US" sz="2800" dirty="0" err="1" smtClean="0">
+              <a:rPr lang="en-US" sz="2800" dirty="0" err="1">
                 <a:solidFill>
                   <a:schemeClr val="dk1"/>
                 </a:solidFill>
@@ -8880,13 +8677,6 @@
   <p:transition spd="slow">
     <p:cut/>
   </p:transition>
-  <p:timing>
-    <p:tnLst>
-      <p:par>
-        <p:cTn id="1" dur="indefinite" restart="never" nodeType="tmRoot"/>
-      </p:par>
-    </p:tnLst>
-  </p:timing>
 </p:sld>
 </file>
 
@@ -9175,13 +8965,6 @@
   <p:transition spd="slow">
     <p:cut/>
   </p:transition>
-  <p:timing>
-    <p:tnLst>
-      <p:par>
-        <p:cTn id="1" dur="indefinite" restart="never" nodeType="tmRoot"/>
-      </p:par>
-    </p:tnLst>
-  </p:timing>
 </p:sld>
 </file>
 
@@ -9331,13 +9114,6 @@
   <p:clrMapOvr>
     <a:masterClrMapping/>
   </p:clrMapOvr>
-  <p:timing>
-    <p:tnLst>
-      <p:par>
-        <p:cTn id="1" dur="indefinite" restart="never" nodeType="tmRoot"/>
-      </p:par>
-    </p:tnLst>
-  </p:timing>
 </p:sld>
 </file>
 
@@ -9638,13 +9414,6 @@
   <p:transition spd="slow">
     <p:cut/>
   </p:transition>
-  <p:timing>
-    <p:tnLst>
-      <p:par>
-        <p:cTn id="1" dur="indefinite" restart="never" nodeType="tmRoot"/>
-      </p:par>
-    </p:tnLst>
-  </p:timing>
 </p:sld>
 </file>
 
@@ -9792,13 +9561,6 @@
   <p:transition spd="slow">
     <p:cut/>
   </p:transition>
-  <p:timing>
-    <p:tnLst>
-      <p:par>
-        <p:cTn id="1" dur="indefinite" restart="never" nodeType="tmRoot"/>
-      </p:par>
-    </p:tnLst>
-  </p:timing>
 </p:sld>
 </file>
 
@@ -9947,13 +9709,6 @@
   <p:transition spd="slow">
     <p:cut/>
   </p:transition>
-  <p:timing>
-    <p:tnLst>
-      <p:par>
-        <p:cTn id="1" dur="indefinite" restart="never" nodeType="tmRoot"/>
-      </p:par>
-    </p:tnLst>
-  </p:timing>
 </p:sld>
 </file>
 
@@ -10124,13 +9879,6 @@
   <p:clrMapOvr>
     <a:masterClrMapping/>
   </p:clrMapOvr>
-  <p:timing>
-    <p:tnLst>
-      <p:par>
-        <p:cTn id="1" dur="indefinite" restart="never" nodeType="tmRoot"/>
-      </p:par>
-    </p:tnLst>
-  </p:timing>
 </p:sld>
 </file>
 
@@ -10284,13 +10032,6 @@
   <p:clrMapOvr>
     <a:masterClrMapping/>
   </p:clrMapOvr>
-  <p:timing>
-    <p:tnLst>
-      <p:par>
-        <p:cTn id="1" dur="indefinite" restart="never" nodeType="tmRoot"/>
-      </p:par>
-    </p:tnLst>
-  </p:timing>
 </p:sld>
 </file>
 
@@ -10449,13 +10190,6 @@
   <p:transition spd="slow">
     <p:cut/>
   </p:transition>
-  <p:timing>
-    <p:tnLst>
-      <p:par>
-        <p:cTn id="1" dur="indefinite" restart="never" nodeType="tmRoot"/>
-      </p:par>
-    </p:tnLst>
-  </p:timing>
 </p:sld>
 </file>
 
@@ -10606,13 +10340,6 @@
   <p:transition spd="slow">
     <p:cut/>
   </p:transition>
-  <p:timing>
-    <p:tnLst>
-      <p:par>
-        <p:cTn id="1" dur="indefinite" restart="never" nodeType="tmRoot"/>
-      </p:par>
-    </p:tnLst>
-  </p:timing>
 </p:sld>
 </file>
 
@@ -10697,19 +10424,7 @@
             </a:pPr>
             <a:r>
               <a:rPr lang="en-US" dirty="0"/>
-              <a:t>Cookies </a:t>
-            </a:r>
-            <a:r>
-              <a:rPr lang="en-US" dirty="0" smtClean="0"/>
-              <a:t>may be</a:t>
-            </a:r>
-            <a:r>
-              <a:rPr lang="en-US" dirty="0" smtClean="0"/>
-              <a:t> </a:t>
-            </a:r>
-            <a:r>
-              <a:rPr lang="en-US" dirty="0"/>
-              <a:t>created by ads that run on websites</a:t>
+              <a:t>Cookies may be created by ads that run on websites</a:t>
             </a:r>
           </a:p>
           <a:p>
@@ -10765,15 +10480,7 @@
           <a:p>
             <a:r>
               <a:rPr lang="en-US" dirty="0"/>
-              <a:t>ANS: </a:t>
-            </a:r>
-            <a:r>
-              <a:rPr lang="en-US" dirty="0" smtClean="0"/>
-              <a:t>A, B</a:t>
-            </a:r>
-            <a:r>
-              <a:rPr lang="en-US" dirty="0"/>
-              <a:t>, E</a:t>
+              <a:t>ANS: A, B, E</a:t>
             </a:r>
           </a:p>
           <a:p>
@@ -10853,13 +10560,6 @@
   <p:clrMapOvr>
     <a:masterClrMapping/>
   </p:clrMapOvr>
-  <p:timing>
-    <p:tnLst>
-      <p:par>
-        <p:cTn id="1" dur="indefinite" restart="never" nodeType="tmRoot"/>
-      </p:par>
-    </p:tnLst>
-  </p:timing>
 </p:sld>
 </file>
 
@@ -10941,15 +10641,7 @@
             <a:pPr lvl="1"/>
             <a:r>
               <a:rPr lang="en-US" dirty="0"/>
-              <a:t>Sent from a </a:t>
-            </a:r>
-            <a:r>
-              <a:rPr lang="en-US" dirty="0" smtClean="0"/>
-              <a:t>website(s</a:t>
-            </a:r>
-            <a:r>
-              <a:rPr lang="en-US" dirty="0"/>
-              <a:t>)</a:t>
+              <a:t>Sent from a website(s)</a:t>
             </a:r>
           </a:p>
           <a:p>
@@ -10979,39 +10671,19 @@
               <a:t>But even if a website is authenticated, the contents that it sends may not be trustworthy because </a:t>
             </a:r>
             <a:r>
-              <a:rPr lang="en-SE" dirty="0" smtClean="0"/>
+              <a:rPr lang="en-SE" dirty="0"/>
               <a:t>it </a:t>
             </a:r>
             <a:r>
-              <a:rPr lang="en-US" dirty="0" smtClean="0"/>
-              <a:t>may </a:t>
-            </a:r>
-            <a:r>
               <a:rPr lang="en-US" dirty="0"/>
-              <a:t>have security vulnerabilities that allow attackers to inject malicious content that gets passed onto the users visiting the </a:t>
-            </a:r>
-            <a:r>
-              <a:rPr lang="en-US" dirty="0" smtClean="0"/>
-              <a:t>website</a:t>
-            </a:r>
+              <a:t>may have security vulnerabilities that allow attackers to inject malicious content that gets passed onto the users visiting the website. </a:t>
+            </a:r>
+          </a:p>
+          <a:p>
+            <a:pPr lvl="1"/>
             <a:r>
               <a:rPr lang="en-US" dirty="0"/>
-              <a:t>. </a:t>
-            </a:r>
-          </a:p>
-          <a:p>
-            <a:pPr lvl="1"/>
-            <a:r>
-              <a:rPr lang="en-US" dirty="0"/>
-              <a:t>Or the </a:t>
-            </a:r>
-            <a:r>
-              <a:rPr lang="en-US" dirty="0" smtClean="0"/>
-              <a:t>website </a:t>
-            </a:r>
-            <a:r>
-              <a:rPr lang="en-US" dirty="0"/>
-              <a:t>includes contents or links to other websites, which may also have security vulnerabilities.</a:t>
+              <a:t>Or the website includes contents or links to other websites, which may also have security vulnerabilities.</a:t>
             </a:r>
           </a:p>
           <a:p>
@@ -11073,13 +10745,6 @@
   <p:clrMapOvr>
     <a:masterClrMapping/>
   </p:clrMapOvr>
-  <p:timing>
-    <p:tnLst>
-      <p:par>
-        <p:cTn id="1" dur="indefinite" restart="never" nodeType="tmRoot"/>
-      </p:par>
-    </p:tnLst>
-  </p:timing>
 </p:sld>
 </file>
 
@@ -11178,38 +10843,22 @@
                   <a:schemeClr val="dk1"/>
                 </a:solidFill>
               </a:rPr>
-              <a:t>These web </a:t>
-            </a:r>
-            <a:r>
-              <a:rPr lang="en-US" dirty="0" smtClean="0">
-                <a:solidFill>
-                  <a:schemeClr val="dk1"/>
-                </a:solidFill>
-              </a:rPr>
-              <a:t>applications may have security vulnerabilities. </a:t>
-            </a:r>
-            <a:endParaRPr lang="en-SE" dirty="0" smtClean="0">
+              <a:t>These web applications may have security vulnerabilities. </a:t>
+            </a:r>
+            <a:endParaRPr lang="en-SE" dirty="0">
               <a:solidFill>
                 <a:schemeClr val="dk1"/>
               </a:solidFill>
             </a:endParaRPr>
           </a:p>
           <a:p>
-            <a:r>
-              <a:rPr lang="en-US" dirty="0" smtClean="0">
-                <a:solidFill>
-                  <a:schemeClr val="dk1"/>
-                </a:solidFill>
-              </a:rPr>
-              <a:t>Furthermore</a:t>
-            </a:r>
             <a:r>
               <a:rPr lang="en-US" dirty="0">
                 <a:solidFill>
                   <a:schemeClr val="dk1"/>
                 </a:solidFill>
               </a:rPr>
-              <a:t>, many websites do not authenticate users, so attackers may send requests designed to exploit security vulnerabilities. </a:t>
+              <a:t>Furthermore, many websites do not authenticate users, so attackers may send requests designed to exploit security vulnerabilities. </a:t>
             </a:r>
           </a:p>
           <a:p>
@@ -11268,13 +10917,6 @@
   <p:clrMapOvr>
     <a:masterClrMapping/>
   </p:clrMapOvr>
-  <p:timing>
-    <p:tnLst>
-      <p:par>
-        <p:cTn id="1" dur="indefinite" restart="never" nodeType="tmRoot"/>
-      </p:par>
-    </p:tnLst>
-  </p:timing>
 </p:sld>
 </file>
 
@@ -11481,13 +11123,6 @@
   <p:clrMapOvr>
     <a:masterClrMapping/>
   </p:clrMapOvr>
-  <p:timing>
-    <p:tnLst>
-      <p:par>
-        <p:cTn id="1" dur="indefinite" restart="never" nodeType="tmRoot"/>
-      </p:par>
-    </p:tnLst>
-  </p:timing>
 </p:sld>
 </file>
 
@@ -11611,13 +11246,6 @@
   <p:clrMapOvr>
     <a:masterClrMapping/>
   </p:clrMapOvr>
-  <p:timing>
-    <p:tnLst>
-      <p:par>
-        <p:cTn id="1" dur="indefinite" restart="never" nodeType="tmRoot"/>
-      </p:par>
-    </p:tnLst>
-  </p:timing>
 </p:sld>
 </file>
 

--- a/InfoSec/PPTs/L16-CH25-Web Security.pptx
+++ b/InfoSec/PPTs/L16-CH25-Web Security.pptx
@@ -311,7 +311,7 @@
             <a:fld id="{999DDEF9-8F79-3F4A-8C1A-CB2E900DCD92}" type="datetimeFigureOut">
               <a:rPr lang="en-US" smtClean="0"/>
               <a:pPr/>
-              <a:t>5/4/2021</a:t>
+              <a:t>12/22/2021</a:t>
             </a:fld>
             <a:endParaRPr lang="en-US"/>
           </a:p>
@@ -3088,7 +3088,31 @@
                   <a:schemeClr val="dk1"/>
                 </a:solidFill>
               </a:rPr>
-              <a:t>In this lesson we will first review how the Web works, that is, how the browser interacts with websites, and the major threat vectors.</a:t>
+              <a:t>In this lesson we will first review how the Web works, that is, how the browser interacts with websites, and the major </a:t>
+            </a:r>
+            <a:r>
+              <a:rPr lang="en-US" sz="1200" dirty="0" err="1">
+                <a:solidFill>
+                  <a:schemeClr val="dk1"/>
+                </a:solidFill>
+              </a:rPr>
+              <a:t>thr</a:t>
+            </a:r>
+            <a:r>
+              <a:rPr lang="en-US" sz="1200">
+                <a:solidFill>
+                  <a:schemeClr val="dk1"/>
+                </a:solidFill>
+              </a:rPr>
+              <a:t>   eat </a:t>
+            </a:r>
+            <a:r>
+              <a:rPr lang="en-US" sz="1200" dirty="0">
+                <a:solidFill>
+                  <a:schemeClr val="dk1"/>
+                </a:solidFill>
+              </a:rPr>
+              <a:t>vectors.</a:t>
             </a:r>
           </a:p>
           <a:p>

--- a/InfoSec/PPTs/L16-CH25-Web Security.pptx
+++ b/InfoSec/PPTs/L16-CH25-Web Security.pptx
@@ -311,7 +311,7 @@
             <a:fld id="{999DDEF9-8F79-3F4A-8C1A-CB2E900DCD92}" type="datetimeFigureOut">
               <a:rPr lang="en-US" smtClean="0"/>
               <a:pPr/>
-              <a:t>12/22/2021</a:t>
+              <a:t>3/24/2022</a:t>
             </a:fld>
             <a:endParaRPr lang="en-US"/>
           </a:p>
@@ -9070,8 +9070,13 @@
           <a:p>
             <a:r>
               <a:rPr lang="en-US" dirty="0"/>
-              <a:t>Cross Site Scripting</a:t>
-            </a:r>
+              <a:t>Cross </a:t>
+            </a:r>
+            <a:r>
+              <a:rPr lang="en-US"/>
+              <a:t>Site Scripting  </a:t>
+            </a:r>
+            <a:endParaRPr lang="en-US" dirty="0"/>
           </a:p>
           <a:p>
             <a:endParaRPr lang="en-US" dirty="0"/>

--- a/InfoSec/PPTs/L16-CH25-Web Security.pptx
+++ b/InfoSec/PPTs/L16-CH25-Web Security.pptx
@@ -7045,10 +7045,17 @@
           <a:lstStyle/>
           <a:p>
             <a:r>
-              <a:rPr lang="en-US" dirty="0"/>
-              <a:t>ZJU 2021</a:t>
-            </a:r>
-            <a:endParaRPr lang="en-SE" dirty="0"/>
+              <a:rPr lang="en-US" altLang="zh-CN" kern="0" dirty="0"/>
+              <a:t>Zonghua Gu</a:t>
+            </a:r>
+            <a:endParaRPr lang="en-US" kern="0" dirty="0"/>
+          </a:p>
+          <a:p>
+            <a:r>
+              <a:rPr lang="en-US" kern="0"/>
+              <a:t>2018, ZJU</a:t>
+            </a:r>
+            <a:endParaRPr lang="en-SE" kern="0" dirty="0"/>
           </a:p>
         </p:txBody>
       </p:sp>

--- a/InfoSec/PPTs/L16-CH25-Web Security.pptx
+++ b/InfoSec/PPTs/L16-CH25-Web Security.pptx
@@ -311,7 +311,7 @@
             <a:fld id="{999DDEF9-8F79-3F4A-8C1A-CB2E900DCD92}" type="datetimeFigureOut">
               <a:rPr lang="en-US" smtClean="0"/>
               <a:pPr/>
-              <a:t>3/24/2022</a:t>
+              <a:t>3/27/2022</a:t>
             </a:fld>
             <a:endParaRPr lang="en-US"/>
           </a:p>
@@ -7053,7 +7053,11 @@
           <a:p>
             <a:r>
               <a:rPr lang="en-US" kern="0"/>
-              <a:t>2018, ZJU</a:t>
+              <a:t>2017, </a:t>
+            </a:r>
+            <a:r>
+              <a:rPr lang="en-US" kern="0" dirty="0"/>
+              <a:t>ZJU</a:t>
             </a:r>
             <a:endParaRPr lang="en-SE" kern="0" dirty="0"/>
           </a:p>
